--- a/Energy_Demand_Forecasting_Report.pptx
+++ b/Energy_Demand_Forecasting_Report.pptx
@@ -25,6 +25,7 @@
     <p:sldId id="274" r:id="rId19"/>
     <p:sldId id="266" r:id="rId20"/>
     <p:sldId id="273" r:id="rId21"/>
+    <p:sldId id="277" r:id="rId22"/>
   </p:sldIdLst>
   <p:sldSz cx="9144000" cy="6858000" type="screen4x3"/>
   <p:notesSz cx="6858000" cy="9144000"/>
@@ -5013,8 +5014,8 @@
           <a:lstStyle/>
           <a:p>
             <a:r>
-              <a:rPr lang="en-IN" sz="2800"/>
-              <a:t>6. SARIMAX Model</a:t>
+              <a:rPr lang="en-IN" sz="2800" dirty="0"/>
+              <a:t>SARIMAX Model</a:t>
             </a:r>
           </a:p>
         </p:txBody>
@@ -5458,8 +5459,8 @@
           <a:lstStyle/>
           <a:p>
             <a:r>
-              <a:rPr lang="en-IN" sz="2800"/>
-              <a:t>7. Prophet Model</a:t>
+              <a:rPr lang="en-IN" sz="2800" dirty="0"/>
+              <a:t>Prophet Model</a:t>
             </a:r>
           </a:p>
         </p:txBody>
@@ -5904,7 +5905,7 @@
           <a:p>
             <a:r>
               <a:rPr lang="en-IN" sz="2800" dirty="0"/>
-              <a:t>8. LSTM Model 1</a:t>
+              <a:t>LSTM Model 1</a:t>
             </a:r>
             <a:br>
               <a:rPr lang="en-IN" sz="2800" dirty="0"/>
@@ -6384,7 +6385,7 @@
           <a:p>
             <a:r>
               <a:rPr lang="en-IN" sz="2800" dirty="0"/>
-              <a:t>9. LSTM Model 2</a:t>
+              <a:t>LSTM Model 2</a:t>
             </a:r>
             <a:br>
               <a:rPr lang="en-IN" sz="2800" dirty="0"/>
@@ -6645,6 +6646,14 @@
 <file path=ppt/slides/slide17.xml><?xml version="1.0" encoding="utf-8"?>
 <p:sld xmlns:a="http://schemas.openxmlformats.org/drawingml/2006/main" xmlns:r="http://schemas.openxmlformats.org/officeDocument/2006/relationships" xmlns:p="http://schemas.openxmlformats.org/presentationml/2006/main">
   <p:cSld>
+    <p:bg>
+      <p:bgPr>
+        <a:solidFill>
+          <a:schemeClr val="bg1"/>
+        </a:solidFill>
+        <a:effectLst/>
+      </p:bgPr>
+    </p:bg>
     <p:spTree>
       <p:nvGrpSpPr>
         <p:cNvPr id="1" name=""/>
@@ -6659,6 +6668,66 @@
           <a:chExt cx="0" cy="0"/>
         </a:xfrm>
       </p:grpSpPr>
+      <p:sp useBgFill="1">
+        <p:nvSpPr>
+          <p:cNvPr id="9" name="Rectangle 8">
+            <a:extLst>
+              <a:ext uri="{FF2B5EF4-FFF2-40B4-BE49-F238E27FC236}">
+                <a16:creationId xmlns:a16="http://schemas.microsoft.com/office/drawing/2014/main" id="{C59AB4C8-9178-4F7A-8404-6890510B5917}"/>
+              </a:ext>
+              <a:ext uri="{C183D7F6-B498-43B3-948B-1728B52AA6E4}">
+                <adec:decorative xmlns:adec="http://schemas.microsoft.com/office/drawing/2017/decorative" val="1"/>
+              </a:ext>
+            </a:extLst>
+          </p:cNvPr>
+          <p:cNvSpPr>
+            <a:spLocks noGrp="1" noRot="1" noChangeAspect="1" noMove="1" noResize="1" noEditPoints="1" noAdjustHandles="1" noChangeArrowheads="1" noChangeShapeType="1" noTextEdit="1"/>
+          </p:cNvSpPr>
+          <p:nvPr>
+            <p:extLst>
+              <p:ext uri="{386F3935-93C4-4BCD-93E2-E3B085C9AB24}">
+                <p16:designElem xmlns:p16="http://schemas.microsoft.com/office/powerpoint/2015/main" val="1"/>
+              </p:ext>
+            </p:extLst>
+          </p:nvPr>
+        </p:nvSpPr>
+        <p:spPr>
+          <a:xfrm>
+            <a:off x="0" y="0"/>
+            <a:ext cx="9144000" cy="6858000"/>
+          </a:xfrm>
+          <a:prstGeom prst="rect">
+            <a:avLst/>
+          </a:prstGeom>
+          <a:ln>
+            <a:noFill/>
+          </a:ln>
+        </p:spPr>
+        <p:style>
+          <a:lnRef idx="2">
+            <a:schemeClr val="accent1">
+              <a:shade val="50000"/>
+            </a:schemeClr>
+          </a:lnRef>
+          <a:fillRef idx="1">
+            <a:schemeClr val="accent1"/>
+          </a:fillRef>
+          <a:effectRef idx="0">
+            <a:schemeClr val="accent1"/>
+          </a:effectRef>
+          <a:fontRef idx="minor">
+            <a:schemeClr val="lt1"/>
+          </a:fontRef>
+        </p:style>
+        <p:txBody>
+          <a:bodyPr rtlCol="0" anchor="ctr"/>
+          <a:lstStyle/>
+          <a:p>
+            <a:pPr algn="ctr"/>
+            <a:endParaRPr lang="en-US" dirty="0"/>
+          </a:p>
+        </p:txBody>
+      </p:sp>
       <p:sp>
         <p:nvSpPr>
           <p:cNvPr id="2" name="Title 1"/>
@@ -6671,23 +6740,315 @@
         </p:nvSpPr>
         <p:spPr>
           <a:xfrm>
-            <a:off x="457200" y="156651"/>
-            <a:ext cx="8229600" cy="1143000"/>
-          </a:xfrm>
-        </p:spPr>
-        <p:txBody>
-          <a:bodyPr/>
-          <a:lstStyle/>
-          <a:p>
-            <a:r>
-              <a:rPr dirty="0"/>
-              <a:t>Model Comparison</a:t>
-            </a:r>
-            <a:r>
-              <a:rPr lang="en-IN" dirty="0"/>
-              <a:t> Table</a:t>
-            </a:r>
-            <a:endParaRPr dirty="0"/>
+            <a:off x="479161" y="636916"/>
+            <a:ext cx="8182230" cy="1329048"/>
+          </a:xfrm>
+        </p:spPr>
+        <p:txBody>
+          <a:bodyPr vert="horz" lIns="91440" tIns="45720" rIns="91440" bIns="45720" rtlCol="0" anchor="b">
+            <a:normAutofit/>
+          </a:bodyPr>
+          <a:lstStyle/>
+          <a:p>
+            <a:pPr defTabSz="914400">
+              <a:lnSpc>
+                <a:spcPct val="90000"/>
+              </a:lnSpc>
+            </a:pPr>
+            <a:r>
+              <a:rPr lang="en-US" sz="5700" kern="1200" dirty="0">
+                <a:solidFill>
+                  <a:schemeClr val="tx1"/>
+                </a:solidFill>
+                <a:latin typeface="+mj-lt"/>
+                <a:ea typeface="+mj-ea"/>
+                <a:cs typeface="+mj-cs"/>
+              </a:rPr>
+              <a:t>Model Comparison Table</a:t>
+            </a:r>
+          </a:p>
+        </p:txBody>
+      </p:sp>
+      <p:sp>
+        <p:nvSpPr>
+          <p:cNvPr id="11" name="sketch line">
+            <a:extLst>
+              <a:ext uri="{FF2B5EF4-FFF2-40B4-BE49-F238E27FC236}">
+                <a16:creationId xmlns:a16="http://schemas.microsoft.com/office/drawing/2014/main" id="{4CFDFB37-4BC7-42C6-915D-A6609139BFE7}"/>
+              </a:ext>
+              <a:ext uri="{C183D7F6-B498-43B3-948B-1728B52AA6E4}">
+                <adec:decorative xmlns:adec="http://schemas.microsoft.com/office/drawing/2017/decorative" val="1"/>
+              </a:ext>
+            </a:extLst>
+          </p:cNvPr>
+          <p:cNvSpPr>
+            <a:spLocks noGrp="1" noRot="1" noChangeAspect="1" noMove="1" noResize="1" noEditPoints="1" noAdjustHandles="1" noChangeArrowheads="1" noChangeShapeType="1" noTextEdit="1"/>
+          </p:cNvSpPr>
+          <p:nvPr>
+            <p:extLst>
+              <p:ext uri="{386F3935-93C4-4BCD-93E2-E3B085C9AB24}">
+                <p16:designElem xmlns:p16="http://schemas.microsoft.com/office/powerpoint/2015/main" val="1"/>
+              </p:ext>
+            </p:extLst>
+          </p:nvPr>
+        </p:nvSpPr>
+        <p:spPr>
+          <a:xfrm>
+            <a:off x="2855776" y="2343912"/>
+            <a:ext cx="3429000" cy="18288"/>
+          </a:xfrm>
+          <a:custGeom>
+            <a:avLst/>
+            <a:gdLst>
+              <a:gd name="connsiteX0" fmla="*/ 0 w 3429000"/>
+              <a:gd name="connsiteY0" fmla="*/ 0 h 18288"/>
+              <a:gd name="connsiteX1" fmla="*/ 685800 w 3429000"/>
+              <a:gd name="connsiteY1" fmla="*/ 0 h 18288"/>
+              <a:gd name="connsiteX2" fmla="*/ 1371600 w 3429000"/>
+              <a:gd name="connsiteY2" fmla="*/ 0 h 18288"/>
+              <a:gd name="connsiteX3" fmla="*/ 2057400 w 3429000"/>
+              <a:gd name="connsiteY3" fmla="*/ 0 h 18288"/>
+              <a:gd name="connsiteX4" fmla="*/ 2674620 w 3429000"/>
+              <a:gd name="connsiteY4" fmla="*/ 0 h 18288"/>
+              <a:gd name="connsiteX5" fmla="*/ 3429000 w 3429000"/>
+              <a:gd name="connsiteY5" fmla="*/ 0 h 18288"/>
+              <a:gd name="connsiteX6" fmla="*/ 3429000 w 3429000"/>
+              <a:gd name="connsiteY6" fmla="*/ 18288 h 18288"/>
+              <a:gd name="connsiteX7" fmla="*/ 2811780 w 3429000"/>
+              <a:gd name="connsiteY7" fmla="*/ 18288 h 18288"/>
+              <a:gd name="connsiteX8" fmla="*/ 2228850 w 3429000"/>
+              <a:gd name="connsiteY8" fmla="*/ 18288 h 18288"/>
+              <a:gd name="connsiteX9" fmla="*/ 1543050 w 3429000"/>
+              <a:gd name="connsiteY9" fmla="*/ 18288 h 18288"/>
+              <a:gd name="connsiteX10" fmla="*/ 925830 w 3429000"/>
+              <a:gd name="connsiteY10" fmla="*/ 18288 h 18288"/>
+              <a:gd name="connsiteX11" fmla="*/ 0 w 3429000"/>
+              <a:gd name="connsiteY11" fmla="*/ 18288 h 18288"/>
+              <a:gd name="connsiteX12" fmla="*/ 0 w 3429000"/>
+              <a:gd name="connsiteY12" fmla="*/ 0 h 18288"/>
+            </a:gdLst>
+            <a:ahLst/>
+            <a:cxnLst>
+              <a:cxn ang="0">
+                <a:pos x="connsiteX0" y="connsiteY0"/>
+              </a:cxn>
+              <a:cxn ang="0">
+                <a:pos x="connsiteX1" y="connsiteY1"/>
+              </a:cxn>
+              <a:cxn ang="0">
+                <a:pos x="connsiteX2" y="connsiteY2"/>
+              </a:cxn>
+              <a:cxn ang="0">
+                <a:pos x="connsiteX3" y="connsiteY3"/>
+              </a:cxn>
+              <a:cxn ang="0">
+                <a:pos x="connsiteX4" y="connsiteY4"/>
+              </a:cxn>
+              <a:cxn ang="0">
+                <a:pos x="connsiteX5" y="connsiteY5"/>
+              </a:cxn>
+              <a:cxn ang="0">
+                <a:pos x="connsiteX6" y="connsiteY6"/>
+              </a:cxn>
+              <a:cxn ang="0">
+                <a:pos x="connsiteX7" y="connsiteY7"/>
+              </a:cxn>
+              <a:cxn ang="0">
+                <a:pos x="connsiteX8" y="connsiteY8"/>
+              </a:cxn>
+              <a:cxn ang="0">
+                <a:pos x="connsiteX9" y="connsiteY9"/>
+              </a:cxn>
+              <a:cxn ang="0">
+                <a:pos x="connsiteX10" y="connsiteY10"/>
+              </a:cxn>
+              <a:cxn ang="0">
+                <a:pos x="connsiteX11" y="connsiteY11"/>
+              </a:cxn>
+              <a:cxn ang="0">
+                <a:pos x="connsiteX12" y="connsiteY12"/>
+              </a:cxn>
+            </a:cxnLst>
+            <a:rect l="l" t="t" r="r" b="b"/>
+            <a:pathLst>
+              <a:path w="3429000" h="18288" fill="none" extrusionOk="0">
+                <a:moveTo>
+                  <a:pt x="0" y="0"/>
+                </a:moveTo>
+                <a:cubicBezTo>
+                  <a:pt x="219865" y="20479"/>
+                  <a:pt x="493281" y="26186"/>
+                  <a:pt x="685800" y="0"/>
+                </a:cubicBezTo>
+                <a:cubicBezTo>
+                  <a:pt x="878319" y="-26186"/>
+                  <a:pt x="1121382" y="-11869"/>
+                  <a:pt x="1371600" y="0"/>
+                </a:cubicBezTo>
+                <a:cubicBezTo>
+                  <a:pt x="1621818" y="11869"/>
+                  <a:pt x="1878793" y="32281"/>
+                  <a:pt x="2057400" y="0"/>
+                </a:cubicBezTo>
+                <a:cubicBezTo>
+                  <a:pt x="2236007" y="-32281"/>
+                  <a:pt x="2433797" y="-18251"/>
+                  <a:pt x="2674620" y="0"/>
+                </a:cubicBezTo>
+                <a:cubicBezTo>
+                  <a:pt x="2915443" y="18251"/>
+                  <a:pt x="3205923" y="-1443"/>
+                  <a:pt x="3429000" y="0"/>
+                </a:cubicBezTo>
+                <a:cubicBezTo>
+                  <a:pt x="3429442" y="4516"/>
+                  <a:pt x="3428173" y="12266"/>
+                  <a:pt x="3429000" y="18288"/>
+                </a:cubicBezTo>
+                <a:cubicBezTo>
+                  <a:pt x="3221081" y="48608"/>
+                  <a:pt x="3088001" y="8066"/>
+                  <a:pt x="2811780" y="18288"/>
+                </a:cubicBezTo>
+                <a:cubicBezTo>
+                  <a:pt x="2535559" y="28510"/>
+                  <a:pt x="2481355" y="24898"/>
+                  <a:pt x="2228850" y="18288"/>
+                </a:cubicBezTo>
+                <a:cubicBezTo>
+                  <a:pt x="1976345" y="11679"/>
+                  <a:pt x="1807520" y="48356"/>
+                  <a:pt x="1543050" y="18288"/>
+                </a:cubicBezTo>
+                <a:cubicBezTo>
+                  <a:pt x="1278580" y="-11780"/>
+                  <a:pt x="1181944" y="5123"/>
+                  <a:pt x="925830" y="18288"/>
+                </a:cubicBezTo>
+                <a:cubicBezTo>
+                  <a:pt x="669716" y="31453"/>
+                  <a:pt x="410304" y="34815"/>
+                  <a:pt x="0" y="18288"/>
+                </a:cubicBezTo>
+                <a:cubicBezTo>
+                  <a:pt x="-306" y="11477"/>
+                  <a:pt x="485" y="4355"/>
+                  <a:pt x="0" y="0"/>
+                </a:cubicBezTo>
+                <a:close/>
+              </a:path>
+              <a:path w="3429000" h="18288" stroke="0" extrusionOk="0">
+                <a:moveTo>
+                  <a:pt x="0" y="0"/>
+                </a:moveTo>
+                <a:cubicBezTo>
+                  <a:pt x="174095" y="-12874"/>
+                  <a:pt x="443087" y="-14090"/>
+                  <a:pt x="617220" y="0"/>
+                </a:cubicBezTo>
+                <a:cubicBezTo>
+                  <a:pt x="791353" y="14090"/>
+                  <a:pt x="1072677" y="8451"/>
+                  <a:pt x="1200150" y="0"/>
+                </a:cubicBezTo>
+                <a:cubicBezTo>
+                  <a:pt x="1327623" y="-8451"/>
+                  <a:pt x="1526638" y="19866"/>
+                  <a:pt x="1817370" y="0"/>
+                </a:cubicBezTo>
+                <a:cubicBezTo>
+                  <a:pt x="2108102" y="-19866"/>
+                  <a:pt x="2221289" y="26161"/>
+                  <a:pt x="2503170" y="0"/>
+                </a:cubicBezTo>
+                <a:cubicBezTo>
+                  <a:pt x="2785051" y="-26161"/>
+                  <a:pt x="3022134" y="39178"/>
+                  <a:pt x="3429000" y="0"/>
+                </a:cubicBezTo>
+                <a:cubicBezTo>
+                  <a:pt x="3429577" y="4624"/>
+                  <a:pt x="3429819" y="11191"/>
+                  <a:pt x="3429000" y="18288"/>
+                </a:cubicBezTo>
+                <a:cubicBezTo>
+                  <a:pt x="3103464" y="593"/>
+                  <a:pt x="2887909" y="22940"/>
+                  <a:pt x="2743200" y="18288"/>
+                </a:cubicBezTo>
+                <a:cubicBezTo>
+                  <a:pt x="2598491" y="13636"/>
+                  <a:pt x="2362615" y="10656"/>
+                  <a:pt x="1988820" y="18288"/>
+                </a:cubicBezTo>
+                <a:cubicBezTo>
+                  <a:pt x="1615025" y="25920"/>
+                  <a:pt x="1580494" y="3693"/>
+                  <a:pt x="1405890" y="18288"/>
+                </a:cubicBezTo>
+                <a:cubicBezTo>
+                  <a:pt x="1231286" y="32884"/>
+                  <a:pt x="885259" y="-16285"/>
+                  <a:pt x="651510" y="18288"/>
+                </a:cubicBezTo>
+                <a:cubicBezTo>
+                  <a:pt x="417761" y="52861"/>
+                  <a:pt x="138362" y="-13856"/>
+                  <a:pt x="0" y="18288"/>
+                </a:cubicBezTo>
+                <a:cubicBezTo>
+                  <a:pt x="-171" y="12755"/>
+                  <a:pt x="-690" y="7930"/>
+                  <a:pt x="0" y="0"/>
+                </a:cubicBezTo>
+                <a:close/>
+              </a:path>
+            </a:pathLst>
+          </a:custGeom>
+          <a:solidFill>
+            <a:schemeClr val="accent2"/>
+          </a:solidFill>
+          <a:ln w="41275" cap="rnd">
+            <a:solidFill>
+              <a:schemeClr val="accent2"/>
+            </a:solidFill>
+            <a:round/>
+            <a:extLst>
+              <a:ext uri="{C807C97D-BFC1-408E-A445-0C87EB9F89A2}">
+                <ask:lineSketchStyleProps xmlns:ask="http://schemas.microsoft.com/office/drawing/2018/sketchyshapes" sd="2727557108">
+                  <a:prstGeom prst="rect">
+                    <a:avLst/>
+                  </a:prstGeom>
+                  <ask:type>
+                    <ask:lineSketchFreehand/>
+                  </ask:type>
+                </ask:lineSketchStyleProps>
+              </a:ext>
+            </a:extLst>
+          </a:ln>
+        </p:spPr>
+        <p:style>
+          <a:lnRef idx="2">
+            <a:schemeClr val="accent1">
+              <a:shade val="50000"/>
+            </a:schemeClr>
+          </a:lnRef>
+          <a:fillRef idx="1">
+            <a:schemeClr val="accent1"/>
+          </a:fillRef>
+          <a:effectRef idx="0">
+            <a:schemeClr val="accent1"/>
+          </a:effectRef>
+          <a:fontRef idx="minor">
+            <a:schemeClr val="lt1"/>
+          </a:fontRef>
+        </p:style>
+        <p:txBody>
+          <a:bodyPr rtlCol="0" anchor="ctr"/>
+          <a:lstStyle/>
+          <a:p>
+            <a:pPr algn="ctr"/>
+            <a:endParaRPr lang="en-US"/>
           </a:p>
         </p:txBody>
       </p:sp>
@@ -6706,30 +7067,30 @@
           <p:nvPr>
             <p:extLst>
               <p:ext uri="{D42A27DB-BD31-4B8C-83A1-F6EECF244321}">
-                <p14:modId xmlns:p14="http://schemas.microsoft.com/office/powerpoint/2010/main" val="2317615509"/>
+                <p14:modId xmlns:p14="http://schemas.microsoft.com/office/powerpoint/2010/main" val="1807333475"/>
               </p:ext>
             </p:extLst>
           </p:nvPr>
         </p:nvGraphicFramePr>
         <p:xfrm>
-          <a:off x="1199535" y="1417638"/>
-          <a:ext cx="7059562" cy="4907456"/>
+          <a:off x="314495" y="2747056"/>
+          <a:ext cx="8512724" cy="3480015"/>
         </p:xfrm>
         <a:graphic>
           <a:graphicData uri="http://schemas.openxmlformats.org/drawingml/2006/table">
             <a:tbl>
               <a:tblPr firstRow="1" bandRow="1">
-                <a:tableStyleId>{5C22544A-7EE6-4342-B048-85BDC9FD1C3A}</a:tableStyleId>
+                <a:tableStyleId>{8EC20E35-A176-4012-BC5E-935CFFF8708E}</a:tableStyleId>
               </a:tblPr>
               <a:tblGrid>
-                <a:gridCol w="3864078">
+                <a:gridCol w="5117586">
                   <a:extLst>
                     <a:ext uri="{9D8B030D-6E8A-4147-A177-3AD203B41FA5}">
                       <a16:colId xmlns:a16="http://schemas.microsoft.com/office/drawing/2014/main" val="321711492"/>
                     </a:ext>
                   </a:extLst>
                 </a:gridCol>
-                <a:gridCol w="3195484">
+                <a:gridCol w="3395138">
                   <a:extLst>
                     <a:ext uri="{9D8B030D-6E8A-4147-A177-3AD203B41FA5}">
                       <a16:colId xmlns:a16="http://schemas.microsoft.com/office/drawing/2014/main" val="2216676706"/>
@@ -6737,7 +7098,7 @@
                   </a:extLst>
                 </a:gridCol>
               </a:tblGrid>
-              <a:tr h="693114">
+              <a:tr h="497145">
                 <a:tc>
                   <a:txBody>
                     <a:bodyPr/>
@@ -6745,12 +7106,13 @@
                     <a:p>
                       <a:pPr algn="ctr"/>
                       <a:r>
-                        <a:rPr lang="en-IN" sz="2000" i="0" u="sng" dirty="0"/>
+                        <a:rPr lang="en-IN" sz="2000" u="sng"/>
                         <a:t>Model Used</a:t>
                       </a:r>
+                      <a:endParaRPr lang="en-IN" sz="2000" i="0" u="sng"/>
                     </a:p>
                   </a:txBody>
-                  <a:tcPr/>
+                  <a:tcPr marL="93648" marR="93648" marT="46824" marB="46824"/>
                 </a:tc>
                 <a:tc>
                   <a:txBody>
@@ -6759,12 +7121,13 @@
                     <a:p>
                       <a:pPr algn="ctr"/>
                       <a:r>
-                        <a:rPr lang="en-IN" sz="2000" i="0" u="sng" dirty="0"/>
+                        <a:rPr lang="en-IN" sz="2000" u="sng"/>
                         <a:t>RMSE Score</a:t>
                       </a:r>
+                      <a:endParaRPr lang="en-IN" sz="2000" i="0" u="sng"/>
                     </a:p>
                   </a:txBody>
-                  <a:tcPr/>
+                  <a:tcPr marL="93648" marR="93648" marT="46824" marB="46824"/>
                 </a:tc>
                 <a:extLst>
                   <a:ext uri="{0D108BD9-81ED-4DB2-BD59-A6C34878D82A}">
@@ -6772,7 +7135,7 @@
                   </a:ext>
                 </a:extLst>
               </a:tr>
-              <a:tr h="748772">
+              <a:tr h="497145">
                 <a:tc>
                   <a:txBody>
                     <a:bodyPr/>
@@ -6785,7 +7148,7 @@
                       </a:r>
                     </a:p>
                   </a:txBody>
-                  <a:tcPr/>
+                  <a:tcPr marL="93648" marR="93648" marT="46824" marB="46824"/>
                 </a:tc>
                 <a:tc>
                   <a:txBody>
@@ -6799,7 +7162,7 @@
                       </a:r>
                     </a:p>
                   </a:txBody>
-                  <a:tcPr/>
+                  <a:tcPr marL="93648" marR="93648" marT="46824" marB="46824"/>
                 </a:tc>
                 <a:extLst>
                   <a:ext uri="{0D108BD9-81ED-4DB2-BD59-A6C34878D82A}">
@@ -6807,7 +7170,7 @@
                   </a:ext>
                 </a:extLst>
               </a:tr>
-              <a:tr h="693114">
+              <a:tr h="497145">
                 <a:tc>
                   <a:txBody>
                     <a:bodyPr/>
@@ -6820,7 +7183,7 @@
                       </a:r>
                     </a:p>
                   </a:txBody>
-                  <a:tcPr/>
+                  <a:tcPr marL="93648" marR="93648" marT="46824" marB="46824"/>
                 </a:tc>
                 <a:tc>
                   <a:txBody>
@@ -6834,7 +7197,7 @@
                       </a:r>
                     </a:p>
                   </a:txBody>
-                  <a:tcPr/>
+                  <a:tcPr marL="93648" marR="93648" marT="46824" marB="46824"/>
                 </a:tc>
                 <a:extLst>
                   <a:ext uri="{0D108BD9-81ED-4DB2-BD59-A6C34878D82A}">
@@ -6842,7 +7205,7 @@
                   </a:ext>
                 </a:extLst>
               </a:tr>
-              <a:tr h="693114">
+              <a:tr h="497145">
                 <a:tc>
                   <a:txBody>
                     <a:bodyPr/>
@@ -6855,7 +7218,7 @@
                       </a:r>
                     </a:p>
                   </a:txBody>
-                  <a:tcPr/>
+                  <a:tcPr marL="93648" marR="93648" marT="46824" marB="46824"/>
                 </a:tc>
                 <a:tc>
                   <a:txBody>
@@ -6869,7 +7232,7 @@
                       </a:r>
                     </a:p>
                   </a:txBody>
-                  <a:tcPr/>
+                  <a:tcPr marL="93648" marR="93648" marT="46824" marB="46824"/>
                 </a:tc>
                 <a:extLst>
                   <a:ext uri="{0D108BD9-81ED-4DB2-BD59-A6C34878D82A}">
@@ -6877,7 +7240,7 @@
                   </a:ext>
                 </a:extLst>
               </a:tr>
-              <a:tr h="693114">
+              <a:tr h="497145">
                 <a:tc>
                   <a:txBody>
                     <a:bodyPr/>
@@ -6890,7 +7253,7 @@
                       </a:r>
                     </a:p>
                   </a:txBody>
-                  <a:tcPr/>
+                  <a:tcPr marL="93648" marR="93648" marT="46824" marB="46824"/>
                 </a:tc>
                 <a:tc>
                   <a:txBody>
@@ -6904,7 +7267,7 @@
                       </a:r>
                     </a:p>
                   </a:txBody>
-                  <a:tcPr/>
+                  <a:tcPr marL="93648" marR="93648" marT="46824" marB="46824"/>
                 </a:tc>
                 <a:extLst>
                   <a:ext uri="{0D108BD9-81ED-4DB2-BD59-A6C34878D82A}">
@@ -6912,7 +7275,7 @@
                   </a:ext>
                 </a:extLst>
               </a:tr>
-              <a:tr h="693114">
+              <a:tr h="497145">
                 <a:tc>
                   <a:txBody>
                     <a:bodyPr/>
@@ -6925,7 +7288,7 @@
                       </a:r>
                     </a:p>
                   </a:txBody>
-                  <a:tcPr/>
+                  <a:tcPr marL="93648" marR="93648" marT="46824" marB="46824"/>
                 </a:tc>
                 <a:tc>
                   <a:txBody>
@@ -6939,7 +7302,7 @@
                       </a:r>
                     </a:p>
                   </a:txBody>
-                  <a:tcPr/>
+                  <a:tcPr marL="93648" marR="93648" marT="46824" marB="46824"/>
                 </a:tc>
                 <a:extLst>
                   <a:ext uri="{0D108BD9-81ED-4DB2-BD59-A6C34878D82A}">
@@ -6947,7 +7310,7 @@
                   </a:ext>
                 </a:extLst>
               </a:tr>
-              <a:tr h="693114">
+              <a:tr h="497145">
                 <a:tc>
                   <a:txBody>
                     <a:bodyPr/>
@@ -6960,7 +7323,7 @@
                       </a:r>
                     </a:p>
                   </a:txBody>
-                  <a:tcPr/>
+                  <a:tcPr marL="93648" marR="93648" marT="46824" marB="46824"/>
                 </a:tc>
                 <a:tc>
                   <a:txBody>
@@ -6974,7 +7337,7 @@
                       </a:r>
                     </a:p>
                   </a:txBody>
-                  <a:tcPr/>
+                  <a:tcPr marL="93648" marR="93648" marT="46824" marB="46824"/>
                 </a:tc>
                 <a:extLst>
                   <a:ext uri="{0D108BD9-81ED-4DB2-BD59-A6C34878D82A}">
@@ -7253,6 +7616,14 @@
 <file path=ppt/slides/slide19.xml><?xml version="1.0" encoding="utf-8"?>
 <p:sld xmlns:a="http://schemas.openxmlformats.org/drawingml/2006/main" xmlns:r="http://schemas.openxmlformats.org/officeDocument/2006/relationships" xmlns:p="http://schemas.openxmlformats.org/presentationml/2006/main">
   <p:cSld>
+    <p:bg>
+      <p:bgPr>
+        <a:solidFill>
+          <a:schemeClr val="bg1"/>
+        </a:solidFill>
+        <a:effectLst/>
+      </p:bgPr>
+    </p:bg>
     <p:spTree>
       <p:nvGrpSpPr>
         <p:cNvPr id="1" name=""/>
@@ -7267,6 +7638,255 @@
           <a:chExt cx="0" cy="0"/>
         </a:xfrm>
       </p:grpSpPr>
+      <p:sp useBgFill="1">
+        <p:nvSpPr>
+          <p:cNvPr id="8" name="Rectangle 7">
+            <a:extLst>
+              <a:ext uri="{FF2B5EF4-FFF2-40B4-BE49-F238E27FC236}">
+                <a16:creationId xmlns:a16="http://schemas.microsoft.com/office/drawing/2014/main" id="{DAF1966E-FD40-4A4A-B61B-C4DF7FA05F06}"/>
+              </a:ext>
+              <a:ext uri="{C183D7F6-B498-43B3-948B-1728B52AA6E4}">
+                <adec:decorative xmlns:adec="http://schemas.microsoft.com/office/drawing/2017/decorative" val="1"/>
+              </a:ext>
+            </a:extLst>
+          </p:cNvPr>
+          <p:cNvSpPr>
+            <a:spLocks noGrp="1" noRot="1" noChangeAspect="1" noMove="1" noResize="1" noEditPoints="1" noAdjustHandles="1" noChangeArrowheads="1" noChangeShapeType="1" noTextEdit="1"/>
+          </p:cNvSpPr>
+          <p:nvPr>
+            <p:extLst>
+              <p:ext uri="{386F3935-93C4-4BCD-93E2-E3B085C9AB24}">
+                <p16:designElem xmlns:p16="http://schemas.microsoft.com/office/powerpoint/2015/main" val="1"/>
+              </p:ext>
+            </p:extLst>
+          </p:nvPr>
+        </p:nvSpPr>
+        <p:spPr>
+          <a:xfrm>
+            <a:off x="0" y="0"/>
+            <a:ext cx="9144000" cy="6858000"/>
+          </a:xfrm>
+          <a:prstGeom prst="rect">
+            <a:avLst/>
+          </a:prstGeom>
+          <a:ln>
+            <a:noFill/>
+          </a:ln>
+        </p:spPr>
+        <p:style>
+          <a:lnRef idx="2">
+            <a:schemeClr val="accent1">
+              <a:shade val="50000"/>
+            </a:schemeClr>
+          </a:lnRef>
+          <a:fillRef idx="1">
+            <a:schemeClr val="accent1"/>
+          </a:fillRef>
+          <a:effectRef idx="0">
+            <a:schemeClr val="accent1"/>
+          </a:effectRef>
+          <a:fontRef idx="minor">
+            <a:schemeClr val="lt1"/>
+          </a:fontRef>
+        </p:style>
+        <p:txBody>
+          <a:bodyPr rtlCol="0" anchor="ctr"/>
+          <a:lstStyle/>
+          <a:p>
+            <a:pPr algn="ctr"/>
+            <a:endParaRPr lang="en-US"/>
+          </a:p>
+        </p:txBody>
+      </p:sp>
+      <p:sp useBgFill="1">
+        <p:nvSpPr>
+          <p:cNvPr id="10" name="Rectangle 9">
+            <a:extLst>
+              <a:ext uri="{FF2B5EF4-FFF2-40B4-BE49-F238E27FC236}">
+                <a16:creationId xmlns:a16="http://schemas.microsoft.com/office/drawing/2014/main" id="{047BFA19-D45E-416B-A404-7AF2F3F27017}"/>
+              </a:ext>
+              <a:ext uri="{C183D7F6-B498-43B3-948B-1728B52AA6E4}">
+                <adec:decorative xmlns:adec="http://schemas.microsoft.com/office/drawing/2017/decorative" val="1"/>
+              </a:ext>
+            </a:extLst>
+          </p:cNvPr>
+          <p:cNvSpPr>
+            <a:spLocks noGrp="1" noRot="1" noChangeAspect="1" noMove="1" noResize="1" noEditPoints="1" noAdjustHandles="1" noChangeArrowheads="1" noChangeShapeType="1" noTextEdit="1"/>
+          </p:cNvSpPr>
+          <p:nvPr>
+            <p:extLst>
+              <p:ext uri="{386F3935-93C4-4BCD-93E2-E3B085C9AB24}">
+                <p16:designElem xmlns:p16="http://schemas.microsoft.com/office/powerpoint/2015/main" val="1"/>
+              </p:ext>
+            </p:extLst>
+          </p:nvPr>
+        </p:nvSpPr>
+        <p:spPr>
+          <a:xfrm>
+            <a:off x="418656" y="0"/>
+            <a:ext cx="8375586" cy="2018806"/>
+          </a:xfrm>
+          <a:prstGeom prst="rect">
+            <a:avLst/>
+          </a:prstGeom>
+          <a:ln w="9525">
+            <a:solidFill>
+              <a:srgbClr val="E1E1E1"/>
+            </a:solidFill>
+          </a:ln>
+          <a:effectLst>
+            <a:outerShdw blurRad="50800" dist="38100" dir="2700000" algn="tl" rotWithShape="0">
+              <a:schemeClr val="bg1">
+                <a:lumMod val="85000"/>
+                <a:alpha val="50000"/>
+              </a:schemeClr>
+            </a:outerShdw>
+          </a:effectLst>
+        </p:spPr>
+        <p:style>
+          <a:lnRef idx="2">
+            <a:schemeClr val="accent1">
+              <a:shade val="50000"/>
+            </a:schemeClr>
+          </a:lnRef>
+          <a:fillRef idx="1">
+            <a:schemeClr val="accent1"/>
+          </a:fillRef>
+          <a:effectRef idx="0">
+            <a:schemeClr val="accent1"/>
+          </a:effectRef>
+          <a:fontRef idx="minor">
+            <a:schemeClr val="lt1"/>
+          </a:fontRef>
+        </p:style>
+        <p:txBody>
+          <a:bodyPr rtlCol="0" anchor="ctr"/>
+          <a:lstStyle/>
+          <a:p>
+            <a:pPr marL="0" marR="0" lvl="0" indent="0" algn="ctr" defTabSz="914400" rtl="0" eaLnBrk="1" fontAlgn="auto" latinLnBrk="0" hangingPunct="1">
+              <a:lnSpc>
+                <a:spcPct val="100000"/>
+              </a:lnSpc>
+              <a:spcBef>
+                <a:spcPts val="0"/>
+              </a:spcBef>
+              <a:spcAft>
+                <a:spcPts val="0"/>
+              </a:spcAft>
+              <a:buClrTx/>
+              <a:buSzTx/>
+              <a:buFontTx/>
+              <a:buNone/>
+              <a:tabLst/>
+              <a:defRPr/>
+            </a:pPr>
+            <a:endParaRPr kumimoji="0" lang="en-US" sz="1800" b="0" i="0" u="none" strike="noStrike" kern="1200" cap="none" spc="0" normalizeH="0" baseline="0" noProof="0">
+              <a:ln>
+                <a:noFill/>
+              </a:ln>
+              <a:solidFill>
+                <a:prstClr val="white"/>
+              </a:solidFill>
+              <a:effectLst/>
+              <a:uLnTx/>
+              <a:uFillTx/>
+              <a:latin typeface="Calibri" panose="020F0502020204030204"/>
+              <a:ea typeface="+mn-ea"/>
+              <a:cs typeface="+mn-cs"/>
+            </a:endParaRPr>
+          </a:p>
+        </p:txBody>
+      </p:sp>
+      <p:sp useBgFill="1">
+        <p:nvSpPr>
+          <p:cNvPr id="12" name="Rectangle 11">
+            <a:extLst>
+              <a:ext uri="{FF2B5EF4-FFF2-40B4-BE49-F238E27FC236}">
+                <a16:creationId xmlns:a16="http://schemas.microsoft.com/office/drawing/2014/main" id="{8E0105E7-23DB-4CF2-8258-FF47C7620F6E}"/>
+              </a:ext>
+              <a:ext uri="{C183D7F6-B498-43B3-948B-1728B52AA6E4}">
+                <adec:decorative xmlns:adec="http://schemas.microsoft.com/office/drawing/2017/decorative" val="1"/>
+              </a:ext>
+            </a:extLst>
+          </p:cNvPr>
+          <p:cNvSpPr>
+            <a:spLocks noGrp="1" noRot="1" noChangeAspect="1" noMove="1" noResize="1" noEditPoints="1" noAdjustHandles="1" noChangeArrowheads="1" noChangeShapeType="1" noTextEdit="1"/>
+          </p:cNvSpPr>
+          <p:nvPr>
+            <p:extLst>
+              <p:ext uri="{386F3935-93C4-4BCD-93E2-E3B085C9AB24}">
+                <p16:designElem xmlns:p16="http://schemas.microsoft.com/office/powerpoint/2015/main" val="1"/>
+              </p:ext>
+            </p:extLst>
+          </p:nvPr>
+        </p:nvSpPr>
+        <p:spPr>
+          <a:xfrm>
+            <a:off x="425196" y="0"/>
+            <a:ext cx="8366760" cy="2011680"/>
+          </a:xfrm>
+          <a:prstGeom prst="rect">
+            <a:avLst/>
+          </a:prstGeom>
+          <a:ln w="9525">
+            <a:noFill/>
+          </a:ln>
+          <a:effectLst/>
+        </p:spPr>
+        <p:style>
+          <a:lnRef idx="2">
+            <a:schemeClr val="accent1">
+              <a:shade val="50000"/>
+            </a:schemeClr>
+          </a:lnRef>
+          <a:fillRef idx="1">
+            <a:schemeClr val="accent1"/>
+          </a:fillRef>
+          <a:effectRef idx="0">
+            <a:schemeClr val="accent1"/>
+          </a:effectRef>
+          <a:fontRef idx="minor">
+            <a:schemeClr val="lt1"/>
+          </a:fontRef>
+        </p:style>
+        <p:txBody>
+          <a:bodyPr rtlCol="0" anchor="ctr"/>
+          <a:lstStyle/>
+          <a:p>
+            <a:pPr marL="0" marR="0" lvl="0" indent="0" algn="ctr" defTabSz="914400" rtl="0" eaLnBrk="1" fontAlgn="auto" latinLnBrk="0" hangingPunct="1">
+              <a:lnSpc>
+                <a:spcPct val="100000"/>
+              </a:lnSpc>
+              <a:spcBef>
+                <a:spcPts val="0"/>
+              </a:spcBef>
+              <a:spcAft>
+                <a:spcPts val="0"/>
+              </a:spcAft>
+              <a:buClrTx/>
+              <a:buSzTx/>
+              <a:buFontTx/>
+              <a:buNone/>
+              <a:tabLst/>
+              <a:defRPr/>
+            </a:pPr>
+            <a:endParaRPr kumimoji="0" lang="en-US" sz="1800" b="0" i="0" u="none" strike="noStrike" kern="1200" cap="none" spc="0" normalizeH="0" baseline="0" noProof="0">
+              <a:ln>
+                <a:noFill/>
+              </a:ln>
+              <a:solidFill>
+                <a:prstClr val="white"/>
+              </a:solidFill>
+              <a:effectLst/>
+              <a:uLnTx/>
+              <a:uFillTx/>
+              <a:latin typeface="Calibri" panose="020F0502020204030204"/>
+              <a:ea typeface="+mn-ea"/>
+              <a:cs typeface="+mn-cs"/>
+            </a:endParaRPr>
+          </a:p>
+        </p:txBody>
+      </p:sp>
       <p:sp>
         <p:nvSpPr>
           <p:cNvPr id="2" name="Title 1"/>
@@ -7277,30 +7897,12 @@
             <p:ph type="title"/>
           </p:nvPr>
         </p:nvSpPr>
-        <p:spPr/>
-        <p:txBody>
-          <a:bodyPr/>
-          <a:lstStyle/>
-          <a:p>
-            <a:r>
-              <a:rPr lang="en-IN" dirty="0"/>
-              <a:t>Challenges &amp; Solutions</a:t>
-            </a:r>
-            <a:endParaRPr dirty="0"/>
-          </a:p>
-        </p:txBody>
-      </p:sp>
-      <p:sp>
-        <p:nvSpPr>
-          <p:cNvPr id="3" name="Content Placeholder 2"/>
-          <p:cNvSpPr>
-            <a:spLocks noGrp="1"/>
-          </p:cNvSpPr>
-          <p:nvPr>
-            <p:ph idx="1"/>
-          </p:nvPr>
-        </p:nvSpPr>
-        <p:spPr/>
+        <p:spPr>
+          <a:xfrm>
+            <a:off x="836676" y="548640"/>
+            <a:ext cx="7626096" cy="1179576"/>
+          </a:xfrm>
+        </p:spPr>
         <p:txBody>
           <a:bodyPr>
             <a:normAutofit/>
@@ -7308,64 +7910,160 @@
           <a:lstStyle/>
           <a:p>
             <a:r>
-              <a:rPr lang="en-IN" sz="2200" b="1" dirty="0"/>
+              <a:rPr lang="en-IN" sz="3500"/>
+              <a:t>Challenges &amp; Solutions</a:t>
+            </a:r>
+          </a:p>
+        </p:txBody>
+      </p:sp>
+      <p:sp>
+        <p:nvSpPr>
+          <p:cNvPr id="14" name="Rectangle 13">
+            <a:extLst>
+              <a:ext uri="{FF2B5EF4-FFF2-40B4-BE49-F238E27FC236}">
+                <a16:creationId xmlns:a16="http://schemas.microsoft.com/office/drawing/2014/main" id="{074B4F7D-14B2-478B-8BF5-01E4E0C5D263}"/>
+              </a:ext>
+              <a:ext uri="{C183D7F6-B498-43B3-948B-1728B52AA6E4}">
+                <adec:decorative xmlns:adec="http://schemas.microsoft.com/office/drawing/2017/decorative" val="1"/>
+              </a:ext>
+            </a:extLst>
+          </p:cNvPr>
+          <p:cNvSpPr>
+            <a:spLocks noGrp="1" noRot="1" noChangeAspect="1" noMove="1" noResize="1" noEditPoints="1" noAdjustHandles="1" noChangeArrowheads="1" noChangeShapeType="1" noTextEdit="1"/>
+          </p:cNvSpPr>
+          <p:nvPr>
+            <p:extLst>
+              <p:ext uri="{386F3935-93C4-4BCD-93E2-E3B085C9AB24}">
+                <p16:designElem xmlns:p16="http://schemas.microsoft.com/office/powerpoint/2015/main" val="1"/>
+              </p:ext>
+            </p:extLst>
+          </p:nvPr>
+        </p:nvSpPr>
+        <p:spPr>
+          <a:xfrm>
+            <a:off x="374125" y="758952"/>
+            <a:ext cx="96012" cy="704088"/>
+          </a:xfrm>
+          <a:prstGeom prst="rect">
+            <a:avLst/>
+          </a:prstGeom>
+          <a:solidFill>
+            <a:schemeClr val="accent2"/>
+          </a:solidFill>
+          <a:ln>
+            <a:noFill/>
+          </a:ln>
+        </p:spPr>
+        <p:style>
+          <a:lnRef idx="2">
+            <a:schemeClr val="accent1">
+              <a:shade val="50000"/>
+            </a:schemeClr>
+          </a:lnRef>
+          <a:fillRef idx="1">
+            <a:schemeClr val="accent1"/>
+          </a:fillRef>
+          <a:effectRef idx="0">
+            <a:schemeClr val="accent1"/>
+          </a:effectRef>
+          <a:fontRef idx="minor">
+            <a:schemeClr val="lt1"/>
+          </a:fontRef>
+        </p:style>
+        <p:txBody>
+          <a:bodyPr rtlCol="0" anchor="ctr"/>
+          <a:lstStyle/>
+          <a:p>
+            <a:pPr algn="ctr"/>
+            <a:endParaRPr lang="en-US">
+              <a:solidFill>
+                <a:prstClr val="white"/>
+              </a:solidFill>
+              <a:latin typeface="Calibri" panose="020F0502020204030204"/>
+            </a:endParaRPr>
+          </a:p>
+        </p:txBody>
+      </p:sp>
+      <p:sp>
+        <p:nvSpPr>
+          <p:cNvPr id="3" name="Content Placeholder 2"/>
+          <p:cNvSpPr>
+            <a:spLocks noGrp="1"/>
+          </p:cNvSpPr>
+          <p:nvPr>
+            <p:ph idx="1"/>
+          </p:nvPr>
+        </p:nvSpPr>
+        <p:spPr>
+          <a:xfrm>
+            <a:off x="836676" y="2481943"/>
+            <a:ext cx="7626096" cy="3695020"/>
+          </a:xfrm>
+        </p:spPr>
+        <p:txBody>
+          <a:bodyPr>
+            <a:normAutofit/>
+          </a:bodyPr>
+          <a:lstStyle/>
+          <a:p>
+            <a:r>
+              <a:rPr lang="en-GB" sz="1900" b="1" dirty="0"/>
               <a:t>Data Volume and Granularity: </a:t>
             </a:r>
             <a:r>
-              <a:rPr lang="en-IN" sz="2200" dirty="0"/>
+              <a:rPr lang="en-GB" sz="1900" dirty="0"/>
               <a:t>Solved by resampling the data on daily basis.</a:t>
             </a:r>
           </a:p>
           <a:p>
             <a:r>
-              <a:rPr lang="en-IN" sz="2200" b="1" dirty="0"/>
-              <a:t>Non Stationary: </a:t>
-            </a:r>
-            <a:r>
-              <a:rPr lang="en-IN" sz="2200" dirty="0"/>
+              <a:rPr lang="en-GB" sz="1900" b="1" dirty="0"/>
+              <a:t>Non-Stationary: </a:t>
+            </a:r>
+            <a:r>
+              <a:rPr lang="en-GB" sz="1900" dirty="0"/>
               <a:t>Solved by differencing the data.</a:t>
             </a:r>
           </a:p>
           <a:p>
             <a:r>
-              <a:rPr lang="en-IN" sz="2200" b="1" dirty="0"/>
+              <a:rPr lang="en-GB" sz="1900" b="1" dirty="0"/>
               <a:t>Model Selection: </a:t>
             </a:r>
             <a:r>
-              <a:rPr lang="en-IN" sz="2200" dirty="0"/>
+              <a:rPr lang="en-GB" sz="1900" dirty="0"/>
               <a:t>Solved by choosing the best model on the basis of RMSE Score.</a:t>
             </a:r>
           </a:p>
           <a:p>
             <a:r>
-              <a:rPr lang="en-IN" sz="2200" b="1" dirty="0"/>
+              <a:rPr lang="en-GB" sz="1900" b="1" dirty="0"/>
               <a:t>Challenges with LSTM Models: </a:t>
             </a:r>
             <a:r>
-              <a:rPr lang="en-IN" sz="2200" dirty="0"/>
+              <a:rPr lang="en-GB" sz="1900" dirty="0"/>
               <a:t>Tuning, Overfitting and Training Time.</a:t>
             </a:r>
           </a:p>
           <a:p>
             <a:r>
-              <a:rPr lang="en-IN" sz="2200" b="1" dirty="0"/>
+              <a:rPr lang="en-GB" sz="1900" b="1" dirty="0"/>
               <a:t>Feature Engineering: </a:t>
             </a:r>
             <a:r>
-              <a:rPr lang="en-IN" sz="2200" dirty="0"/>
+              <a:rPr lang="en-GB" sz="1900" dirty="0"/>
               <a:t>Solved by crafting many time features.</a:t>
             </a:r>
           </a:p>
           <a:p>
             <a:r>
-              <a:rPr lang="en-IN" sz="2200" b="1" dirty="0"/>
+              <a:rPr lang="en-GB" sz="1900" b="1" dirty="0"/>
               <a:t>Increasing Forecast Errors: </a:t>
             </a:r>
             <a:r>
-              <a:rPr lang="en-IN" sz="2200" dirty="0"/>
+              <a:rPr lang="en-GB" sz="1900" dirty="0"/>
               <a:t>As we increase the number of days, the forecasting error keeps on increasing.</a:t>
             </a:r>
-            <a:endParaRPr sz="2200" dirty="0"/>
           </a:p>
         </p:txBody>
       </p:sp>
@@ -7885,6 +8583,14 @@
 <file path=ppt/slides/slide20.xml><?xml version="1.0" encoding="utf-8"?>
 <p:sld xmlns:a="http://schemas.openxmlformats.org/drawingml/2006/main" xmlns:r="http://schemas.openxmlformats.org/officeDocument/2006/relationships" xmlns:p="http://schemas.openxmlformats.org/presentationml/2006/main">
   <p:cSld>
+    <p:bg>
+      <p:bgPr>
+        <a:solidFill>
+          <a:schemeClr val="bg1"/>
+        </a:solidFill>
+        <a:effectLst/>
+      </p:bgPr>
+    </p:bg>
     <p:spTree>
       <p:nvGrpSpPr>
         <p:cNvPr id="1" name="">
@@ -7905,6 +8611,255 @@
           <a:chExt cx="0" cy="0"/>
         </a:xfrm>
       </p:grpSpPr>
+      <p:sp useBgFill="1">
+        <p:nvSpPr>
+          <p:cNvPr id="8" name="Rectangle 7">
+            <a:extLst>
+              <a:ext uri="{FF2B5EF4-FFF2-40B4-BE49-F238E27FC236}">
+                <a16:creationId xmlns:a16="http://schemas.microsoft.com/office/drawing/2014/main" id="{DAF1966E-FD40-4A4A-B61B-C4DF7FA05F06}"/>
+              </a:ext>
+              <a:ext uri="{C183D7F6-B498-43B3-948B-1728B52AA6E4}">
+                <adec:decorative xmlns:adec="http://schemas.microsoft.com/office/drawing/2017/decorative" val="1"/>
+              </a:ext>
+            </a:extLst>
+          </p:cNvPr>
+          <p:cNvSpPr>
+            <a:spLocks noGrp="1" noRot="1" noChangeAspect="1" noMove="1" noResize="1" noEditPoints="1" noAdjustHandles="1" noChangeArrowheads="1" noChangeShapeType="1" noTextEdit="1"/>
+          </p:cNvSpPr>
+          <p:nvPr>
+            <p:extLst>
+              <p:ext uri="{386F3935-93C4-4BCD-93E2-E3B085C9AB24}">
+                <p16:designElem xmlns:p16="http://schemas.microsoft.com/office/powerpoint/2015/main" val="1"/>
+              </p:ext>
+            </p:extLst>
+          </p:nvPr>
+        </p:nvSpPr>
+        <p:spPr>
+          <a:xfrm>
+            <a:off x="0" y="0"/>
+            <a:ext cx="9144000" cy="6858000"/>
+          </a:xfrm>
+          <a:prstGeom prst="rect">
+            <a:avLst/>
+          </a:prstGeom>
+          <a:ln>
+            <a:noFill/>
+          </a:ln>
+        </p:spPr>
+        <p:style>
+          <a:lnRef idx="2">
+            <a:schemeClr val="accent1">
+              <a:shade val="50000"/>
+            </a:schemeClr>
+          </a:lnRef>
+          <a:fillRef idx="1">
+            <a:schemeClr val="accent1"/>
+          </a:fillRef>
+          <a:effectRef idx="0">
+            <a:schemeClr val="accent1"/>
+          </a:effectRef>
+          <a:fontRef idx="minor">
+            <a:schemeClr val="lt1"/>
+          </a:fontRef>
+        </p:style>
+        <p:txBody>
+          <a:bodyPr rtlCol="0" anchor="ctr"/>
+          <a:lstStyle/>
+          <a:p>
+            <a:pPr algn="ctr"/>
+            <a:endParaRPr lang="en-US"/>
+          </a:p>
+        </p:txBody>
+      </p:sp>
+      <p:sp useBgFill="1">
+        <p:nvSpPr>
+          <p:cNvPr id="10" name="Rectangle 9">
+            <a:extLst>
+              <a:ext uri="{FF2B5EF4-FFF2-40B4-BE49-F238E27FC236}">
+                <a16:creationId xmlns:a16="http://schemas.microsoft.com/office/drawing/2014/main" id="{047BFA19-D45E-416B-A404-7AF2F3F27017}"/>
+              </a:ext>
+              <a:ext uri="{C183D7F6-B498-43B3-948B-1728B52AA6E4}">
+                <adec:decorative xmlns:adec="http://schemas.microsoft.com/office/drawing/2017/decorative" val="1"/>
+              </a:ext>
+            </a:extLst>
+          </p:cNvPr>
+          <p:cNvSpPr>
+            <a:spLocks noGrp="1" noRot="1" noChangeAspect="1" noMove="1" noResize="1" noEditPoints="1" noAdjustHandles="1" noChangeArrowheads="1" noChangeShapeType="1" noTextEdit="1"/>
+          </p:cNvSpPr>
+          <p:nvPr>
+            <p:extLst>
+              <p:ext uri="{386F3935-93C4-4BCD-93E2-E3B085C9AB24}">
+                <p16:designElem xmlns:p16="http://schemas.microsoft.com/office/powerpoint/2015/main" val="1"/>
+              </p:ext>
+            </p:extLst>
+          </p:nvPr>
+        </p:nvSpPr>
+        <p:spPr>
+          <a:xfrm>
+            <a:off x="418656" y="0"/>
+            <a:ext cx="8375586" cy="2018806"/>
+          </a:xfrm>
+          <a:prstGeom prst="rect">
+            <a:avLst/>
+          </a:prstGeom>
+          <a:ln w="9525">
+            <a:solidFill>
+              <a:srgbClr val="E1E1E1"/>
+            </a:solidFill>
+          </a:ln>
+          <a:effectLst>
+            <a:outerShdw blurRad="50800" dist="38100" dir="2700000" algn="tl" rotWithShape="0">
+              <a:schemeClr val="bg1">
+                <a:lumMod val="85000"/>
+                <a:alpha val="50000"/>
+              </a:schemeClr>
+            </a:outerShdw>
+          </a:effectLst>
+        </p:spPr>
+        <p:style>
+          <a:lnRef idx="2">
+            <a:schemeClr val="accent1">
+              <a:shade val="50000"/>
+            </a:schemeClr>
+          </a:lnRef>
+          <a:fillRef idx="1">
+            <a:schemeClr val="accent1"/>
+          </a:fillRef>
+          <a:effectRef idx="0">
+            <a:schemeClr val="accent1"/>
+          </a:effectRef>
+          <a:fontRef idx="minor">
+            <a:schemeClr val="lt1"/>
+          </a:fontRef>
+        </p:style>
+        <p:txBody>
+          <a:bodyPr rtlCol="0" anchor="ctr"/>
+          <a:lstStyle/>
+          <a:p>
+            <a:pPr marL="0" marR="0" lvl="0" indent="0" algn="ctr" defTabSz="914400" rtl="0" eaLnBrk="1" fontAlgn="auto" latinLnBrk="0" hangingPunct="1">
+              <a:lnSpc>
+                <a:spcPct val="100000"/>
+              </a:lnSpc>
+              <a:spcBef>
+                <a:spcPts val="0"/>
+              </a:spcBef>
+              <a:spcAft>
+                <a:spcPts val="0"/>
+              </a:spcAft>
+              <a:buClrTx/>
+              <a:buSzTx/>
+              <a:buFontTx/>
+              <a:buNone/>
+              <a:tabLst/>
+              <a:defRPr/>
+            </a:pPr>
+            <a:endParaRPr kumimoji="0" lang="en-US" sz="1800" b="0" i="0" u="none" strike="noStrike" kern="1200" cap="none" spc="0" normalizeH="0" baseline="0" noProof="0">
+              <a:ln>
+                <a:noFill/>
+              </a:ln>
+              <a:solidFill>
+                <a:prstClr val="white"/>
+              </a:solidFill>
+              <a:effectLst/>
+              <a:uLnTx/>
+              <a:uFillTx/>
+              <a:latin typeface="Calibri" panose="020F0502020204030204"/>
+              <a:ea typeface="+mn-ea"/>
+              <a:cs typeface="+mn-cs"/>
+            </a:endParaRPr>
+          </a:p>
+        </p:txBody>
+      </p:sp>
+      <p:sp useBgFill="1">
+        <p:nvSpPr>
+          <p:cNvPr id="12" name="Rectangle 11">
+            <a:extLst>
+              <a:ext uri="{FF2B5EF4-FFF2-40B4-BE49-F238E27FC236}">
+                <a16:creationId xmlns:a16="http://schemas.microsoft.com/office/drawing/2014/main" id="{8E0105E7-23DB-4CF2-8258-FF47C7620F6E}"/>
+              </a:ext>
+              <a:ext uri="{C183D7F6-B498-43B3-948B-1728B52AA6E4}">
+                <adec:decorative xmlns:adec="http://schemas.microsoft.com/office/drawing/2017/decorative" val="1"/>
+              </a:ext>
+            </a:extLst>
+          </p:cNvPr>
+          <p:cNvSpPr>
+            <a:spLocks noGrp="1" noRot="1" noChangeAspect="1" noMove="1" noResize="1" noEditPoints="1" noAdjustHandles="1" noChangeArrowheads="1" noChangeShapeType="1" noTextEdit="1"/>
+          </p:cNvSpPr>
+          <p:nvPr>
+            <p:extLst>
+              <p:ext uri="{386F3935-93C4-4BCD-93E2-E3B085C9AB24}">
+                <p16:designElem xmlns:p16="http://schemas.microsoft.com/office/powerpoint/2015/main" val="1"/>
+              </p:ext>
+            </p:extLst>
+          </p:nvPr>
+        </p:nvSpPr>
+        <p:spPr>
+          <a:xfrm>
+            <a:off x="425196" y="0"/>
+            <a:ext cx="8366760" cy="2011680"/>
+          </a:xfrm>
+          <a:prstGeom prst="rect">
+            <a:avLst/>
+          </a:prstGeom>
+          <a:ln w="9525">
+            <a:noFill/>
+          </a:ln>
+          <a:effectLst/>
+        </p:spPr>
+        <p:style>
+          <a:lnRef idx="2">
+            <a:schemeClr val="accent1">
+              <a:shade val="50000"/>
+            </a:schemeClr>
+          </a:lnRef>
+          <a:fillRef idx="1">
+            <a:schemeClr val="accent1"/>
+          </a:fillRef>
+          <a:effectRef idx="0">
+            <a:schemeClr val="accent1"/>
+          </a:effectRef>
+          <a:fontRef idx="minor">
+            <a:schemeClr val="lt1"/>
+          </a:fontRef>
+        </p:style>
+        <p:txBody>
+          <a:bodyPr rtlCol="0" anchor="ctr"/>
+          <a:lstStyle/>
+          <a:p>
+            <a:pPr marL="0" marR="0" lvl="0" indent="0" algn="ctr" defTabSz="914400" rtl="0" eaLnBrk="1" fontAlgn="auto" latinLnBrk="0" hangingPunct="1">
+              <a:lnSpc>
+                <a:spcPct val="100000"/>
+              </a:lnSpc>
+              <a:spcBef>
+                <a:spcPts val="0"/>
+              </a:spcBef>
+              <a:spcAft>
+                <a:spcPts val="0"/>
+              </a:spcAft>
+              <a:buClrTx/>
+              <a:buSzTx/>
+              <a:buFontTx/>
+              <a:buNone/>
+              <a:tabLst/>
+              <a:defRPr/>
+            </a:pPr>
+            <a:endParaRPr kumimoji="0" lang="en-US" sz="1800" b="0" i="0" u="none" strike="noStrike" kern="1200" cap="none" spc="0" normalizeH="0" baseline="0" noProof="0">
+              <a:ln>
+                <a:noFill/>
+              </a:ln>
+              <a:solidFill>
+                <a:prstClr val="white"/>
+              </a:solidFill>
+              <a:effectLst/>
+              <a:uLnTx/>
+              <a:uFillTx/>
+              <a:latin typeface="Calibri" panose="020F0502020204030204"/>
+              <a:ea typeface="+mn-ea"/>
+              <a:cs typeface="+mn-cs"/>
+            </a:endParaRPr>
+          </a:p>
+        </p:txBody>
+      </p:sp>
       <p:sp>
         <p:nvSpPr>
           <p:cNvPr id="2" name="Title 1">
@@ -7921,14 +8876,90 @@
             <p:ph type="title"/>
           </p:nvPr>
         </p:nvSpPr>
-        <p:spPr/>
-        <p:txBody>
-          <a:bodyPr/>
-          <a:lstStyle/>
-          <a:p>
-            <a:r>
-              <a:t>10. Conclusion</a:t>
-            </a:r>
+        <p:spPr>
+          <a:xfrm>
+            <a:off x="836676" y="548640"/>
+            <a:ext cx="7626096" cy="1179576"/>
+          </a:xfrm>
+        </p:spPr>
+        <p:txBody>
+          <a:bodyPr>
+            <a:normAutofit/>
+          </a:bodyPr>
+          <a:lstStyle/>
+          <a:p>
+            <a:r>
+              <a:rPr lang="en-IN" sz="3500" dirty="0"/>
+              <a:t>Conclusion</a:t>
+            </a:r>
+          </a:p>
+        </p:txBody>
+      </p:sp>
+      <p:sp>
+        <p:nvSpPr>
+          <p:cNvPr id="14" name="Rectangle 13">
+            <a:extLst>
+              <a:ext uri="{FF2B5EF4-FFF2-40B4-BE49-F238E27FC236}">
+                <a16:creationId xmlns:a16="http://schemas.microsoft.com/office/drawing/2014/main" id="{074B4F7D-14B2-478B-8BF5-01E4E0C5D263}"/>
+              </a:ext>
+              <a:ext uri="{C183D7F6-B498-43B3-948B-1728B52AA6E4}">
+                <adec:decorative xmlns:adec="http://schemas.microsoft.com/office/drawing/2017/decorative" val="1"/>
+              </a:ext>
+            </a:extLst>
+          </p:cNvPr>
+          <p:cNvSpPr>
+            <a:spLocks noGrp="1" noRot="1" noChangeAspect="1" noMove="1" noResize="1" noEditPoints="1" noAdjustHandles="1" noChangeArrowheads="1" noChangeShapeType="1" noTextEdit="1"/>
+          </p:cNvSpPr>
+          <p:nvPr>
+            <p:extLst>
+              <p:ext uri="{386F3935-93C4-4BCD-93E2-E3B085C9AB24}">
+                <p16:designElem xmlns:p16="http://schemas.microsoft.com/office/powerpoint/2015/main" val="1"/>
+              </p:ext>
+            </p:extLst>
+          </p:nvPr>
+        </p:nvSpPr>
+        <p:spPr>
+          <a:xfrm>
+            <a:off x="374125" y="758952"/>
+            <a:ext cx="96012" cy="704088"/>
+          </a:xfrm>
+          <a:prstGeom prst="rect">
+            <a:avLst/>
+          </a:prstGeom>
+          <a:solidFill>
+            <a:schemeClr val="accent2"/>
+          </a:solidFill>
+          <a:ln>
+            <a:noFill/>
+          </a:ln>
+        </p:spPr>
+        <p:style>
+          <a:lnRef idx="2">
+            <a:schemeClr val="accent1">
+              <a:shade val="50000"/>
+            </a:schemeClr>
+          </a:lnRef>
+          <a:fillRef idx="1">
+            <a:schemeClr val="accent1"/>
+          </a:fillRef>
+          <a:effectRef idx="0">
+            <a:schemeClr val="accent1"/>
+          </a:effectRef>
+          <a:fontRef idx="minor">
+            <a:schemeClr val="lt1"/>
+          </a:fontRef>
+        </p:style>
+        <p:txBody>
+          <a:bodyPr rtlCol="0" anchor="ctr"/>
+          <a:lstStyle/>
+          <a:p>
+            <a:pPr algn="ctr"/>
+            <a:endParaRPr lang="en-US">
+              <a:solidFill>
+                <a:prstClr val="white"/>
+              </a:solidFill>
+              <a:latin typeface="Calibri" panose="020F0502020204030204"/>
+            </a:endParaRPr>
           </a:p>
         </p:txBody>
       </p:sp>
@@ -7948,28 +8979,27 @@
             <p:ph idx="1"/>
           </p:nvPr>
         </p:nvSpPr>
-        <p:spPr/>
-        <p:txBody>
-          <a:bodyPr/>
-          <a:lstStyle/>
-          <a:p>
-            <a:r>
-              <a:t>- SARIMAX performed best with lowest RMSE.</a:t>
-            </a:r>
-          </a:p>
-          <a:p>
-            <a:r>
-              <a:t>- LSTM requires more data/tuning.</a:t>
-            </a:r>
-          </a:p>
-          <a:p>
-            <a:r>
-              <a:t>- Holidays and seasonality improved accuracy.</a:t>
-            </a:r>
-          </a:p>
-          <a:p>
-            <a:r>
-              <a:t>- Future: Try hybrid/ensemble models.</a:t>
+        <p:spPr>
+          <a:xfrm>
+            <a:off x="836676" y="2481943"/>
+            <a:ext cx="7626096" cy="3695020"/>
+          </a:xfrm>
+        </p:spPr>
+        <p:txBody>
+          <a:bodyPr>
+            <a:normAutofit/>
+          </a:bodyPr>
+          <a:lstStyle/>
+          <a:p>
+            <a:r>
+              <a:rPr lang="en-GB" sz="1900"/>
+              <a:t>This project focused on forecasting hourly energy demand in the PJM Interconnection region using historical megawatt data. By analyzing trends, seasonality, and holiday effects through STL decomposition, we built and compared models including ETS, ARIMA, SARIMAX, and LSTM. SARIMAX emerged as the best performer, accurately capturing seasonal and external factors.</a:t>
+            </a:r>
+          </a:p>
+          <a:p>
+            <a:r>
+              <a:rPr lang="en-GB" sz="1900"/>
+              <a:t>The 30-day forecasts generated support operational planning and energy distribution by helping manage peak loads and improve grid reliability. This highlights the value of combining classical time series models with domain-specific insights for accurate and actionable forecasting.</a:t>
             </a:r>
           </a:p>
         </p:txBody>
@@ -7978,6 +9008,458 @@
     <p:extLst>
       <p:ext uri="{BB962C8B-B14F-4D97-AF65-F5344CB8AC3E}">
         <p14:creationId xmlns:p14="http://schemas.microsoft.com/office/powerpoint/2010/main" val="1458810574"/>
+      </p:ext>
+    </p:extLst>
+  </p:cSld>
+  <p:clrMapOvr>
+    <a:masterClrMapping/>
+  </p:clrMapOvr>
+</p:sld>
+</file>
+
+<file path=ppt/slides/slide21.xml><?xml version="1.0" encoding="utf-8"?>
+<p:sld xmlns:a="http://schemas.openxmlformats.org/drawingml/2006/main" xmlns:r="http://schemas.openxmlformats.org/officeDocument/2006/relationships" xmlns:p="http://schemas.openxmlformats.org/presentationml/2006/main">
+  <p:cSld>
+    <p:bg>
+      <p:bgPr>
+        <a:solidFill>
+          <a:schemeClr val="bg1"/>
+        </a:solidFill>
+        <a:effectLst/>
+      </p:bgPr>
+    </p:bg>
+    <p:spTree>
+      <p:nvGrpSpPr>
+        <p:cNvPr id="1" name=""/>
+        <p:cNvGrpSpPr/>
+        <p:nvPr/>
+      </p:nvGrpSpPr>
+      <p:grpSpPr>
+        <a:xfrm>
+          <a:off x="0" y="0"/>
+          <a:ext cx="0" cy="0"/>
+          <a:chOff x="0" y="0"/>
+          <a:chExt cx="0" cy="0"/>
+        </a:xfrm>
+      </p:grpSpPr>
+      <p:sp>
+        <p:nvSpPr>
+          <p:cNvPr id="12" name="Rectangle 11">
+            <a:extLst>
+              <a:ext uri="{FF2B5EF4-FFF2-40B4-BE49-F238E27FC236}">
+                <a16:creationId xmlns:a16="http://schemas.microsoft.com/office/drawing/2014/main" id="{35555856-9970-4BC3-9AA9-6A917F53AFBD}"/>
+              </a:ext>
+              <a:ext uri="{C183D7F6-B498-43B3-948B-1728B52AA6E4}">
+                <adec:decorative xmlns:adec="http://schemas.microsoft.com/office/drawing/2017/decorative" val="1"/>
+              </a:ext>
+            </a:extLst>
+          </p:cNvPr>
+          <p:cNvSpPr>
+            <a:spLocks noGrp="1" noRot="1" noChangeAspect="1" noMove="1" noResize="1" noEditPoints="1" noAdjustHandles="1" noChangeArrowheads="1" noChangeShapeType="1" noTextEdit="1"/>
+          </p:cNvSpPr>
+          <p:nvPr>
+            <p:extLst>
+              <p:ext uri="{386F3935-93C4-4BCD-93E2-E3B085C9AB24}">
+                <p16:designElem xmlns:p16="http://schemas.microsoft.com/office/powerpoint/2015/main" val="1"/>
+              </p:ext>
+            </p:extLst>
+          </p:nvPr>
+        </p:nvSpPr>
+        <p:spPr>
+          <a:xfrm>
+            <a:off x="3772955" y="1122302"/>
+            <a:ext cx="5370815" cy="5735697"/>
+          </a:xfrm>
+          <a:prstGeom prst="rect">
+            <a:avLst/>
+          </a:prstGeom>
+          <a:gradFill>
+            <a:gsLst>
+              <a:gs pos="0">
+                <a:schemeClr val="accent1">
+                  <a:lumMod val="100000"/>
+                  <a:alpha val="82000"/>
+                </a:schemeClr>
+              </a:gs>
+              <a:gs pos="25000">
+                <a:schemeClr val="accent1">
+                  <a:alpha val="60000"/>
+                </a:schemeClr>
+              </a:gs>
+              <a:gs pos="94000">
+                <a:schemeClr val="bg2">
+                  <a:lumMod val="75000"/>
+                </a:schemeClr>
+              </a:gs>
+              <a:gs pos="100000">
+                <a:schemeClr val="bg2">
+                  <a:lumMod val="75000"/>
+                </a:schemeClr>
+              </a:gs>
+            </a:gsLst>
+            <a:lin ang="4200000" scaled="0"/>
+          </a:gradFill>
+          <a:ln>
+            <a:noFill/>
+          </a:ln>
+        </p:spPr>
+        <p:style>
+          <a:lnRef idx="2">
+            <a:schemeClr val="accent1">
+              <a:shade val="50000"/>
+            </a:schemeClr>
+          </a:lnRef>
+          <a:fillRef idx="1">
+            <a:schemeClr val="accent1"/>
+          </a:fillRef>
+          <a:effectRef idx="0">
+            <a:schemeClr val="accent1"/>
+          </a:effectRef>
+          <a:fontRef idx="minor">
+            <a:schemeClr val="lt1"/>
+          </a:fontRef>
+        </p:style>
+        <p:txBody>
+          <a:bodyPr rtlCol="0" anchor="ctr"/>
+          <a:lstStyle/>
+          <a:p>
+            <a:pPr algn="ctr"/>
+            <a:endParaRPr lang="en-US" sz="1350"/>
+          </a:p>
+        </p:txBody>
+      </p:sp>
+      <p:pic>
+        <p:nvPicPr>
+          <p:cNvPr id="14" name="Picture 13">
+            <a:extLst>
+              <a:ext uri="{FF2B5EF4-FFF2-40B4-BE49-F238E27FC236}">
+                <a16:creationId xmlns:a16="http://schemas.microsoft.com/office/drawing/2014/main" id="{7F487851-BFAF-46D8-A1ED-50CAD6E46F59}"/>
+              </a:ext>
+              <a:ext uri="{C183D7F6-B498-43B3-948B-1728B52AA6E4}">
+                <adec:decorative xmlns:adec="http://schemas.microsoft.com/office/drawing/2017/decorative" val="1"/>
+              </a:ext>
+            </a:extLst>
+          </p:cNvPr>
+          <p:cNvPicPr>
+            <a:picLocks noGrp="1" noRot="1" noChangeAspect="1" noMove="1" noResize="1" noEditPoints="1" noAdjustHandles="1" noChangeArrowheads="1" noChangeShapeType="1" noCrop="1"/>
+          </p:cNvPicPr>
+          <p:nvPr>
+            <p:extLst>
+              <p:ext uri="{386F3935-93C4-4BCD-93E2-E3B085C9AB24}">
+                <p16:designElem xmlns:p16="http://schemas.microsoft.com/office/powerpoint/2015/main" val="1"/>
+              </p:ext>
+            </p:extLst>
+          </p:nvPr>
+        </p:nvPicPr>
+        <p:blipFill rotWithShape="1">
+          <a:blip r:embed="rId2">
+            <a:extLst>
+              <a:ext uri="{28A0092B-C50C-407E-A947-70E740481C1C}">
+                <a14:useLocalDpi xmlns:a14="http://schemas.microsoft.com/office/drawing/2010/main" val="0"/>
+              </a:ext>
+            </a:extLst>
+          </a:blip>
+          <a:srcRect r="10325"/>
+          <a:stretch/>
+        </p:blipFill>
+        <p:spPr>
+          <a:xfrm flipH="1">
+            <a:off x="0" y="1122301"/>
+            <a:ext cx="9144000" cy="5750526"/>
+          </a:xfrm>
+          <a:prstGeom prst="rect">
+            <a:avLst/>
+          </a:prstGeom>
+        </p:spPr>
+      </p:pic>
+      <p:sp>
+        <p:nvSpPr>
+          <p:cNvPr id="2" name="Title 1">
+            <a:extLst>
+              <a:ext uri="{FF2B5EF4-FFF2-40B4-BE49-F238E27FC236}">
+                <a16:creationId xmlns:a16="http://schemas.microsoft.com/office/drawing/2014/main" id="{BEA492D8-F703-A977-B7C6-7EE7C7FEBA2F}"/>
+              </a:ext>
+            </a:extLst>
+          </p:cNvPr>
+          <p:cNvSpPr>
+            <a:spLocks noGrp="1"/>
+          </p:cNvSpPr>
+          <p:nvPr>
+            <p:ph type="title"/>
+          </p:nvPr>
+        </p:nvSpPr>
+        <p:spPr>
+          <a:xfrm>
+            <a:off x="306801" y="4058125"/>
+            <a:ext cx="3604497" cy="972836"/>
+          </a:xfrm>
+        </p:spPr>
+        <p:txBody>
+          <a:bodyPr vert="horz" lIns="91440" tIns="45720" rIns="91440" bIns="45720" rtlCol="0" anchor="t">
+            <a:normAutofit/>
+          </a:bodyPr>
+          <a:lstStyle/>
+          <a:p>
+            <a:pPr algn="l" defTabSz="914400">
+              <a:lnSpc>
+                <a:spcPct val="90000"/>
+              </a:lnSpc>
+            </a:pPr>
+            <a:r>
+              <a:rPr lang="en-US" sz="5400" kern="1200" dirty="0">
+                <a:solidFill>
+                  <a:srgbClr val="000000"/>
+                </a:solidFill>
+                <a:latin typeface="+mj-lt"/>
+                <a:ea typeface="+mj-ea"/>
+                <a:cs typeface="+mj-cs"/>
+              </a:rPr>
+              <a:t>Thank You</a:t>
+            </a:r>
+          </a:p>
+        </p:txBody>
+      </p:sp>
+      <p:sp>
+        <p:nvSpPr>
+          <p:cNvPr id="16" name="Freeform 50">
+            <a:extLst>
+              <a:ext uri="{FF2B5EF4-FFF2-40B4-BE49-F238E27FC236}">
+                <a16:creationId xmlns:a16="http://schemas.microsoft.com/office/drawing/2014/main" id="{13722DD7-BA73-4776-93A3-94491FEF7260}"/>
+              </a:ext>
+              <a:ext uri="{C183D7F6-B498-43B3-948B-1728B52AA6E4}">
+                <adec:decorative xmlns:adec="http://schemas.microsoft.com/office/drawing/2017/decorative" val="1"/>
+              </a:ext>
+            </a:extLst>
+          </p:cNvPr>
+          <p:cNvSpPr>
+            <a:spLocks noGrp="1" noRot="1" noChangeAspect="1" noMove="1" noResize="1" noEditPoints="1" noAdjustHandles="1" noChangeArrowheads="1" noChangeShapeType="1" noTextEdit="1"/>
+          </p:cNvSpPr>
+          <p:nvPr>
+            <p:extLst>
+              <p:ext uri="{386F3935-93C4-4BCD-93E2-E3B085C9AB24}">
+                <p16:designElem xmlns:p16="http://schemas.microsoft.com/office/powerpoint/2015/main" val="1"/>
+              </p:ext>
+            </p:extLst>
+          </p:nvPr>
+        </p:nvSpPr>
+        <p:spPr>
+          <a:xfrm>
+            <a:off x="4573441" y="1608355"/>
+            <a:ext cx="4570559" cy="5249645"/>
+          </a:xfrm>
+          <a:custGeom>
+            <a:avLst/>
+            <a:gdLst>
+              <a:gd name="connsiteX0" fmla="*/ 3299930 w 5464879"/>
+              <a:gd name="connsiteY0" fmla="*/ 0 h 6276841"/>
+              <a:gd name="connsiteX1" fmla="*/ 5398992 w 5464879"/>
+              <a:gd name="connsiteY1" fmla="*/ 753544 h 6276841"/>
+              <a:gd name="connsiteX2" fmla="*/ 5464879 w 5464879"/>
+              <a:gd name="connsiteY2" fmla="*/ 813426 h 6276841"/>
+              <a:gd name="connsiteX3" fmla="*/ 5464879 w 5464879"/>
+              <a:gd name="connsiteY3" fmla="*/ 5786434 h 6276841"/>
+              <a:gd name="connsiteX4" fmla="*/ 5398992 w 5464879"/>
+              <a:gd name="connsiteY4" fmla="*/ 5846317 h 6276841"/>
+              <a:gd name="connsiteX5" fmla="*/ 4872873 w 5464879"/>
+              <a:gd name="connsiteY5" fmla="*/ 6201577 h 6276841"/>
+              <a:gd name="connsiteX6" fmla="*/ 4716632 w 5464879"/>
+              <a:gd name="connsiteY6" fmla="*/ 6276841 h 6276841"/>
+              <a:gd name="connsiteX7" fmla="*/ 1883227 w 5464879"/>
+              <a:gd name="connsiteY7" fmla="*/ 6276841 h 6276841"/>
+              <a:gd name="connsiteX8" fmla="*/ 1726987 w 5464879"/>
+              <a:gd name="connsiteY8" fmla="*/ 6201577 h 6276841"/>
+              <a:gd name="connsiteX9" fmla="*/ 0 w 5464879"/>
+              <a:gd name="connsiteY9" fmla="*/ 3299930 h 6276841"/>
+              <a:gd name="connsiteX10" fmla="*/ 3299930 w 5464879"/>
+              <a:gd name="connsiteY10" fmla="*/ 0 h 6276841"/>
+            </a:gdLst>
+            <a:ahLst/>
+            <a:cxnLst>
+              <a:cxn ang="0">
+                <a:pos x="connsiteX0" y="connsiteY0"/>
+              </a:cxn>
+              <a:cxn ang="0">
+                <a:pos x="connsiteX1" y="connsiteY1"/>
+              </a:cxn>
+              <a:cxn ang="0">
+                <a:pos x="connsiteX2" y="connsiteY2"/>
+              </a:cxn>
+              <a:cxn ang="0">
+                <a:pos x="connsiteX3" y="connsiteY3"/>
+              </a:cxn>
+              <a:cxn ang="0">
+                <a:pos x="connsiteX4" y="connsiteY4"/>
+              </a:cxn>
+              <a:cxn ang="0">
+                <a:pos x="connsiteX5" y="connsiteY5"/>
+              </a:cxn>
+              <a:cxn ang="0">
+                <a:pos x="connsiteX6" y="connsiteY6"/>
+              </a:cxn>
+              <a:cxn ang="0">
+                <a:pos x="connsiteX7" y="connsiteY7"/>
+              </a:cxn>
+              <a:cxn ang="0">
+                <a:pos x="connsiteX8" y="connsiteY8"/>
+              </a:cxn>
+              <a:cxn ang="0">
+                <a:pos x="connsiteX9" y="connsiteY9"/>
+              </a:cxn>
+              <a:cxn ang="0">
+                <a:pos x="connsiteX10" y="connsiteY10"/>
+              </a:cxn>
+            </a:cxnLst>
+            <a:rect l="l" t="t" r="r" b="b"/>
+            <a:pathLst>
+              <a:path w="5464879" h="6276841">
+                <a:moveTo>
+                  <a:pt x="3299930" y="0"/>
+                </a:moveTo>
+                <a:cubicBezTo>
+                  <a:pt x="4097274" y="0"/>
+                  <a:pt x="4828569" y="282789"/>
+                  <a:pt x="5398992" y="753544"/>
+                </a:cubicBezTo>
+                <a:lnTo>
+                  <a:pt x="5464879" y="813426"/>
+                </a:lnTo>
+                <a:lnTo>
+                  <a:pt x="5464879" y="5786434"/>
+                </a:lnTo>
+                <a:lnTo>
+                  <a:pt x="5398992" y="5846317"/>
+                </a:lnTo>
+                <a:cubicBezTo>
+                  <a:pt x="5236014" y="5980818"/>
+                  <a:pt x="5059904" y="6099975"/>
+                  <a:pt x="4872873" y="6201577"/>
+                </a:cubicBezTo>
+                <a:lnTo>
+                  <a:pt x="4716632" y="6276841"/>
+                </a:lnTo>
+                <a:lnTo>
+                  <a:pt x="1883227" y="6276841"/>
+                </a:lnTo>
+                <a:lnTo>
+                  <a:pt x="1726987" y="6201577"/>
+                </a:lnTo>
+                <a:cubicBezTo>
+                  <a:pt x="698316" y="5642769"/>
+                  <a:pt x="0" y="4552900"/>
+                  <a:pt x="0" y="3299930"/>
+                </a:cubicBezTo>
+                <a:cubicBezTo>
+                  <a:pt x="0" y="1477429"/>
+                  <a:pt x="1477429" y="0"/>
+                  <a:pt x="3299930" y="0"/>
+                </a:cubicBezTo>
+                <a:close/>
+              </a:path>
+            </a:pathLst>
+          </a:custGeom>
+          <a:solidFill>
+            <a:srgbClr val="FFFFFF"/>
+          </a:solidFill>
+          <a:ln>
+            <a:gradFill>
+              <a:gsLst>
+                <a:gs pos="0">
+                  <a:schemeClr val="accent1">
+                    <a:lumMod val="40000"/>
+                    <a:lumOff val="60000"/>
+                  </a:schemeClr>
+                </a:gs>
+                <a:gs pos="23000">
+                  <a:schemeClr val="accent1">
+                    <a:lumMod val="45000"/>
+                    <a:lumOff val="55000"/>
+                  </a:schemeClr>
+                </a:gs>
+                <a:gs pos="83000">
+                  <a:schemeClr val="bg2">
+                    <a:lumMod val="75000"/>
+                  </a:schemeClr>
+                </a:gs>
+                <a:gs pos="100000">
+                  <a:schemeClr val="bg2">
+                    <a:lumMod val="75000"/>
+                  </a:schemeClr>
+                </a:gs>
+              </a:gsLst>
+              <a:lin ang="5400000" scaled="1"/>
+            </a:gradFill>
+          </a:ln>
+        </p:spPr>
+        <p:style>
+          <a:lnRef idx="2">
+            <a:schemeClr val="accent1">
+              <a:shade val="50000"/>
+            </a:schemeClr>
+          </a:lnRef>
+          <a:fillRef idx="1">
+            <a:schemeClr val="accent1"/>
+          </a:fillRef>
+          <a:effectRef idx="0">
+            <a:schemeClr val="accent1"/>
+          </a:effectRef>
+          <a:fontRef idx="minor">
+            <a:schemeClr val="lt1"/>
+          </a:fontRef>
+        </p:style>
+        <p:txBody>
+          <a:bodyPr wrap="square" rtlCol="0" anchor="ctr">
+            <a:noAutofit/>
+          </a:bodyPr>
+          <a:lstStyle/>
+          <a:p>
+            <a:pPr algn="ctr"/>
+            <a:endParaRPr lang="en-US" sz="1350"/>
+          </a:p>
+        </p:txBody>
+      </p:sp>
+      <p:pic>
+        <p:nvPicPr>
+          <p:cNvPr id="9" name="Graphic 8" descr="Smiling Face with No Fill">
+            <a:extLst>
+              <a:ext uri="{FF2B5EF4-FFF2-40B4-BE49-F238E27FC236}">
+                <a16:creationId xmlns:a16="http://schemas.microsoft.com/office/drawing/2014/main" id="{BF155F85-3D23-194D-4292-AC2782D0CAD2}"/>
+              </a:ext>
+            </a:extLst>
+          </p:cNvPr>
+          <p:cNvPicPr>
+            <a:picLocks noChangeAspect="1"/>
+          </p:cNvPicPr>
+          <p:nvPr/>
+        </p:nvPicPr>
+        <p:blipFill>
+          <a:blip r:embed="rId3">
+            <a:extLst>
+              <a:ext uri="{28A0092B-C50C-407E-A947-70E740481C1C}">
+                <a14:useLocalDpi xmlns:a14="http://schemas.microsoft.com/office/drawing/2010/main" val="0"/>
+              </a:ext>
+              <a:ext uri="{96DAC541-7B7A-43D3-8B79-37D633B846F1}">
+                <asvg:svgBlip xmlns:asvg="http://schemas.microsoft.com/office/drawing/2016/SVG/main" r:embed="rId4"/>
+              </a:ext>
+            </a:extLst>
+          </a:blip>
+          <a:stretch>
+            <a:fillRect/>
+          </a:stretch>
+        </p:blipFill>
+        <p:spPr>
+          <a:xfrm>
+            <a:off x="5424681" y="2708150"/>
+            <a:ext cx="3463967" cy="3463967"/>
+          </a:xfrm>
+          <a:prstGeom prst="rect">
+            <a:avLst/>
+          </a:prstGeom>
+        </p:spPr>
+      </p:pic>
+    </p:spTree>
+    <p:extLst>
+      <p:ext uri="{BB962C8B-B14F-4D97-AF65-F5344CB8AC3E}">
+        <p14:creationId xmlns:p14="http://schemas.microsoft.com/office/powerpoint/2010/main" val="3023521593"/>
       </p:ext>
     </p:extLst>
   </p:cSld>
@@ -9039,8 +10521,8 @@
           <a:lstStyle/>
           <a:p>
             <a:r>
-              <a:rPr lang="en-IN" sz="3500"/>
-              <a:t>3. EDA &amp; Data Preprocessing</a:t>
+              <a:rPr lang="en-IN" sz="3500" dirty="0"/>
+              <a:t>EDA &amp; Data Preprocessing</a:t>
             </a:r>
           </a:p>
         </p:txBody>
@@ -9250,8 +10732,8 @@
               </a:lnSpc>
             </a:pPr>
             <a:r>
-              <a:rPr lang="en-IN" sz="3500"/>
-              <a:t>3. EDA &amp; Data Preprocessing</a:t>
+              <a:rPr lang="en-IN" sz="3500" dirty="0"/>
+              <a:t>EDA &amp; Data Preprocessing</a:t>
             </a:r>
           </a:p>
         </p:txBody>
@@ -9669,8 +11151,8 @@
         </p:blipFill>
         <p:spPr>
           <a:xfrm>
-            <a:off x="5312567" y="1400153"/>
-            <a:ext cx="3298075" cy="882234"/>
+            <a:off x="5132687" y="1110916"/>
+            <a:ext cx="3638694" cy="1486865"/>
           </a:xfrm>
           <a:prstGeom prst="rect">
             <a:avLst/>
@@ -9775,8 +11257,8 @@
         </p:blipFill>
         <p:spPr bwMode="auto">
           <a:xfrm>
-            <a:off x="5312567" y="4155465"/>
-            <a:ext cx="3296677" cy="1623613"/>
+            <a:off x="5066959" y="4034503"/>
+            <a:ext cx="3726610" cy="1835355"/>
           </a:xfrm>
           <a:prstGeom prst="rect">
             <a:avLst/>
@@ -9845,15 +11327,16 @@
             <p:ph type="title"/>
           </p:nvPr>
         </p:nvSpPr>
-        <p:spPr/>
+        <p:spPr>
+          <a:xfrm>
+            <a:off x="457200" y="274638"/>
+            <a:ext cx="8229600" cy="770655"/>
+          </a:xfrm>
+        </p:spPr>
         <p:txBody>
           <a:bodyPr/>
           <a:lstStyle/>
           <a:p>
-            <a:r>
-              <a:rPr dirty="0"/>
-              <a:t>3. </a:t>
-            </a:r>
             <a:r>
               <a:rPr lang="en-IN" dirty="0"/>
               <a:t>EDA </a:t>
@@ -10152,7 +11635,7 @@
         <p:spPr bwMode="auto">
           <a:xfrm>
             <a:off x="457201" y="1161743"/>
-            <a:ext cx="4340944" cy="2668818"/>
+            <a:ext cx="4114799" cy="2668818"/>
           </a:xfrm>
           <a:prstGeom prst="rect">
             <a:avLst/>
@@ -10278,10 +11761,6 @@
           <a:bodyPr/>
           <a:lstStyle/>
           <a:p>
-            <a:r>
-              <a:rPr dirty="0"/>
-              <a:t>3. </a:t>
-            </a:r>
             <a:r>
               <a:rPr lang="en-IN" dirty="0"/>
               <a:t>EDA </a:t>
@@ -10674,10 +12153,6 @@
           <a:bodyPr/>
           <a:lstStyle/>
           <a:p>
-            <a:r>
-              <a:rPr dirty="0"/>
-              <a:t>3. </a:t>
-            </a:r>
             <a:r>
               <a:rPr lang="en-IN" dirty="0"/>
               <a:t>EDA </a:t>

--- a/Energy_Demand_Forecasting_Report.pptx
+++ b/Energy_Demand_Forecasting_Report.pptx
@@ -3570,6 +3570,18 @@
   <p:clrMapOvr>
     <a:masterClrMapping/>
   </p:clrMapOvr>
+  <mc:AlternateContent xmlns:mc="http://schemas.openxmlformats.org/markup-compatibility/2006">
+    <mc:Choice xmlns:p159="http://schemas.microsoft.com/office/powerpoint/2015/09/main" Requires="p159">
+      <p:transition xmlns:p14="http://schemas.microsoft.com/office/powerpoint/2010/main" spd="slow" p14:dur="2000">
+        <p159:morph option="byObject"/>
+      </p:transition>
+    </mc:Choice>
+    <mc:Fallback>
+      <p:transition spd="slow">
+        <p:fade/>
+      </p:transition>
+    </mc:Fallback>
+  </mc:AlternateContent>
 </p:sld>
 </file>
 
@@ -3897,6 +3909,18 @@
   <p:clrMapOvr>
     <a:masterClrMapping/>
   </p:clrMapOvr>
+  <mc:AlternateContent xmlns:mc="http://schemas.openxmlformats.org/markup-compatibility/2006">
+    <mc:Choice xmlns:p159="http://schemas.microsoft.com/office/powerpoint/2015/09/main" Requires="p159">
+      <p:transition xmlns:p14="http://schemas.microsoft.com/office/powerpoint/2010/main" spd="slow" p14:dur="2000">
+        <p159:morph option="byObject"/>
+      </p:transition>
+    </mc:Choice>
+    <mc:Fallback>
+      <p:transition spd="slow">
+        <p:fade/>
+      </p:transition>
+    </mc:Fallback>
+  </mc:AlternateContent>
 </p:sld>
 </file>
 
@@ -4336,6 +4360,18 @@
   <p:clrMapOvr>
     <a:masterClrMapping/>
   </p:clrMapOvr>
+  <mc:AlternateContent xmlns:mc="http://schemas.openxmlformats.org/markup-compatibility/2006">
+    <mc:Choice xmlns:p159="http://schemas.microsoft.com/office/powerpoint/2015/09/main" Requires="p159">
+      <p:transition xmlns:p14="http://schemas.microsoft.com/office/powerpoint/2010/main" spd="slow" p14:dur="2000">
+        <p159:morph option="byObject"/>
+      </p:transition>
+    </mc:Choice>
+    <mc:Fallback>
+      <p:transition spd="slow">
+        <p:fade/>
+      </p:transition>
+    </mc:Fallback>
+  </mc:AlternateContent>
 </p:sld>
 </file>
 
@@ -4804,6 +4840,18 @@
   <p:clrMapOvr>
     <a:masterClrMapping/>
   </p:clrMapOvr>
+  <mc:AlternateContent xmlns:mc="http://schemas.openxmlformats.org/markup-compatibility/2006">
+    <mc:Choice xmlns:p159="http://schemas.microsoft.com/office/powerpoint/2015/09/main" Requires="p159">
+      <p:transition xmlns:p14="http://schemas.microsoft.com/office/powerpoint/2010/main" spd="slow" p14:dur="2000">
+        <p159:morph option="byObject"/>
+      </p:transition>
+    </mc:Choice>
+    <mc:Fallback>
+      <p:transition spd="slow">
+        <p:fade/>
+      </p:transition>
+    </mc:Fallback>
+  </mc:AlternateContent>
 </p:sld>
 </file>
 
@@ -5249,6 +5297,18 @@
   <p:clrMapOvr>
     <a:masterClrMapping/>
   </p:clrMapOvr>
+  <mc:AlternateContent xmlns:mc="http://schemas.openxmlformats.org/markup-compatibility/2006">
+    <mc:Choice xmlns:p159="http://schemas.microsoft.com/office/powerpoint/2015/09/main" Requires="p159">
+      <p:transition xmlns:p14="http://schemas.microsoft.com/office/powerpoint/2010/main" spd="slow" p14:dur="2000">
+        <p159:morph option="byObject"/>
+      </p:transition>
+    </mc:Choice>
+    <mc:Fallback>
+      <p:transition spd="slow">
+        <p:fade/>
+      </p:transition>
+    </mc:Fallback>
+  </mc:AlternateContent>
 </p:sld>
 </file>
 
@@ -5694,6 +5754,18 @@
   <p:clrMapOvr>
     <a:masterClrMapping/>
   </p:clrMapOvr>
+  <mc:AlternateContent xmlns:mc="http://schemas.openxmlformats.org/markup-compatibility/2006">
+    <mc:Choice xmlns:p159="http://schemas.microsoft.com/office/powerpoint/2015/09/main" Requires="p159">
+      <p:transition xmlns:p14="http://schemas.microsoft.com/office/powerpoint/2010/main" spd="slow" p14:dur="2000">
+        <p159:morph option="byObject"/>
+      </p:transition>
+    </mc:Choice>
+    <mc:Fallback>
+      <p:transition spd="slow">
+        <p:fade/>
+      </p:transition>
+    </mc:Fallback>
+  </mc:AlternateContent>
 </p:sld>
 </file>
 
@@ -6162,6 +6234,18 @@
   <p:clrMapOvr>
     <a:masterClrMapping/>
   </p:clrMapOvr>
+  <mc:AlternateContent xmlns:mc="http://schemas.openxmlformats.org/markup-compatibility/2006">
+    <mc:Choice xmlns:p159="http://schemas.microsoft.com/office/powerpoint/2015/09/main" Requires="p159">
+      <p:transition xmlns:p14="http://schemas.microsoft.com/office/powerpoint/2010/main" spd="slow" p14:dur="2000">
+        <p159:morph option="byObject"/>
+      </p:transition>
+    </mc:Choice>
+    <mc:Fallback>
+      <p:transition spd="slow">
+        <p:fade/>
+      </p:transition>
+    </mc:Fallback>
+  </mc:AlternateContent>
 </p:sld>
 </file>
 
@@ -6640,6 +6724,18 @@
   <p:clrMapOvr>
     <a:masterClrMapping/>
   </p:clrMapOvr>
+  <mc:AlternateContent xmlns:mc="http://schemas.openxmlformats.org/markup-compatibility/2006">
+    <mc:Choice xmlns:p159="http://schemas.microsoft.com/office/powerpoint/2015/09/main" Requires="p159">
+      <p:transition xmlns:p14="http://schemas.microsoft.com/office/powerpoint/2010/main" spd="slow" p14:dur="2000">
+        <p159:morph option="byObject"/>
+      </p:transition>
+    </mc:Choice>
+    <mc:Fallback>
+      <p:transition spd="slow">
+        <p:fade/>
+      </p:transition>
+    </mc:Fallback>
+  </mc:AlternateContent>
 </p:sld>
 </file>
 
@@ -7354,6 +7450,18 @@
   <p:clrMapOvr>
     <a:masterClrMapping/>
   </p:clrMapOvr>
+  <mc:AlternateContent xmlns:mc="http://schemas.openxmlformats.org/markup-compatibility/2006">
+    <mc:Choice xmlns:p159="http://schemas.microsoft.com/office/powerpoint/2015/09/main" Requires="p159">
+      <p:transition xmlns:p14="http://schemas.microsoft.com/office/powerpoint/2010/main" spd="slow" p14:dur="2000">
+        <p159:morph option="byObject"/>
+      </p:transition>
+    </mc:Choice>
+    <mc:Fallback>
+      <p:transition spd="slow">
+        <p:fade/>
+      </p:transition>
+    </mc:Fallback>
+  </mc:AlternateContent>
 </p:sld>
 </file>
 
@@ -7610,6 +7718,18 @@
   <p:clrMapOvr>
     <a:masterClrMapping/>
   </p:clrMapOvr>
+  <mc:AlternateContent xmlns:mc="http://schemas.openxmlformats.org/markup-compatibility/2006">
+    <mc:Choice xmlns:p159="http://schemas.microsoft.com/office/powerpoint/2015/09/main" Requires="p159">
+      <p:transition xmlns:p14="http://schemas.microsoft.com/office/powerpoint/2010/main" spd="slow" p14:dur="2000">
+        <p159:morph option="byObject"/>
+      </p:transition>
+    </mc:Choice>
+    <mc:Fallback>
+      <p:transition spd="slow">
+        <p:fade/>
+      </p:transition>
+    </mc:Fallback>
+  </mc:AlternateContent>
 </p:sld>
 </file>
 
@@ -8072,6 +8192,18 @@
   <p:clrMapOvr>
     <a:masterClrMapping/>
   </p:clrMapOvr>
+  <mc:AlternateContent xmlns:mc="http://schemas.openxmlformats.org/markup-compatibility/2006">
+    <mc:Choice xmlns:p159="http://schemas.microsoft.com/office/powerpoint/2015/09/main" Requires="p159">
+      <p:transition xmlns:p14="http://schemas.microsoft.com/office/powerpoint/2010/main" spd="slow" p14:dur="2000">
+        <p159:morph option="byObject"/>
+      </p:transition>
+    </mc:Choice>
+    <mc:Fallback>
+      <p:transition spd="slow">
+        <p:fade/>
+      </p:transition>
+    </mc:Fallback>
+  </mc:AlternateContent>
 </p:sld>
 </file>
 
@@ -8577,6 +8709,18 @@
   <p:clrMapOvr>
     <a:masterClrMapping/>
   </p:clrMapOvr>
+  <mc:AlternateContent xmlns:mc="http://schemas.openxmlformats.org/markup-compatibility/2006">
+    <mc:Choice xmlns:p159="http://schemas.microsoft.com/office/powerpoint/2015/09/main" Requires="p159">
+      <p:transition xmlns:p14="http://schemas.microsoft.com/office/powerpoint/2010/main" spd="slow" p14:dur="2000">
+        <p159:morph option="byObject"/>
+      </p:transition>
+    </mc:Choice>
+    <mc:Fallback>
+      <p:transition spd="slow">
+        <p:fade/>
+      </p:transition>
+    </mc:Fallback>
+  </mc:AlternateContent>
 </p:sld>
 </file>
 
@@ -9014,6 +9158,18 @@
   <p:clrMapOvr>
     <a:masterClrMapping/>
   </p:clrMapOvr>
+  <mc:AlternateContent xmlns:mc="http://schemas.openxmlformats.org/markup-compatibility/2006">
+    <mc:Choice xmlns:p159="http://schemas.microsoft.com/office/powerpoint/2015/09/main" Requires="p159">
+      <p:transition xmlns:p14="http://schemas.microsoft.com/office/powerpoint/2010/main" spd="slow" p14:dur="2000">
+        <p159:morph option="byObject"/>
+      </p:transition>
+    </mc:Choice>
+    <mc:Fallback>
+      <p:transition spd="slow">
+        <p:fade/>
+      </p:transition>
+    </mc:Fallback>
+  </mc:AlternateContent>
 </p:sld>
 </file>
 
@@ -9466,6 +9622,18 @@
   <p:clrMapOvr>
     <a:masterClrMapping/>
   </p:clrMapOvr>
+  <mc:AlternateContent xmlns:mc="http://schemas.openxmlformats.org/markup-compatibility/2006">
+    <mc:Choice xmlns:p159="http://schemas.microsoft.com/office/powerpoint/2015/09/main" Requires="p159">
+      <p:transition xmlns:p14="http://schemas.microsoft.com/office/powerpoint/2010/main" spd="slow" p14:dur="2000">
+        <p159:morph option="byObject"/>
+      </p:transition>
+    </mc:Choice>
+    <mc:Fallback>
+      <p:transition spd="slow">
+        <p:fade/>
+      </p:transition>
+    </mc:Fallback>
+  </mc:AlternateContent>
 </p:sld>
 </file>
 
@@ -9892,6 +10060,18 @@
   <p:clrMapOvr>
     <a:masterClrMapping/>
   </p:clrMapOvr>
+  <mc:AlternateContent xmlns:mc="http://schemas.openxmlformats.org/markup-compatibility/2006">
+    <mc:Choice xmlns:p159="http://schemas.microsoft.com/office/powerpoint/2015/09/main" Requires="p159">
+      <p:transition xmlns:p14="http://schemas.microsoft.com/office/powerpoint/2010/main" spd="slow" p14:dur="2000">
+        <p159:morph option="byObject"/>
+      </p:transition>
+    </mc:Choice>
+    <mc:Fallback>
+      <p:transition spd="slow">
+        <p:fade/>
+      </p:transition>
+    </mc:Fallback>
+  </mc:AlternateContent>
 </p:sld>
 </file>
 
@@ -10249,6 +10429,18 @@
   <p:clrMapOvr>
     <a:masterClrMapping/>
   </p:clrMapOvr>
+  <mc:AlternateContent xmlns:mc="http://schemas.openxmlformats.org/markup-compatibility/2006">
+    <mc:Choice xmlns:p159="http://schemas.microsoft.com/office/powerpoint/2015/09/main" Requires="p159">
+      <p:transition xmlns:p14="http://schemas.microsoft.com/office/powerpoint/2010/main" spd="slow" p14:dur="2000">
+        <p159:morph option="byObject"/>
+      </p:transition>
+    </mc:Choice>
+    <mc:Fallback>
+      <p:transition spd="slow">
+        <p:fade/>
+      </p:transition>
+    </mc:Fallback>
+  </mc:AlternateContent>
 </p:sld>
 </file>
 
@@ -10604,6 +10796,18 @@
   <p:clrMapOvr>
     <a:masterClrMapping/>
   </p:clrMapOvr>
+  <mc:AlternateContent xmlns:mc="http://schemas.openxmlformats.org/markup-compatibility/2006">
+    <mc:Choice xmlns:p159="http://schemas.microsoft.com/office/powerpoint/2015/09/main" Requires="p159">
+      <p:transition xmlns:p14="http://schemas.microsoft.com/office/powerpoint/2010/main" spd="slow" p14:dur="2000">
+        <p159:morph option="byObject"/>
+      </p:transition>
+    </mc:Choice>
+    <mc:Fallback>
+      <p:transition spd="slow">
+        <p:fade/>
+      </p:transition>
+    </mc:Fallback>
+  </mc:AlternateContent>
 </p:sld>
 </file>
 
@@ -11285,6 +11489,18 @@
   <p:clrMapOvr>
     <a:masterClrMapping/>
   </p:clrMapOvr>
+  <mc:AlternateContent xmlns:mc="http://schemas.openxmlformats.org/markup-compatibility/2006">
+    <mc:Choice xmlns:p159="http://schemas.microsoft.com/office/powerpoint/2015/09/main" Requires="p159">
+      <p:transition xmlns:p14="http://schemas.microsoft.com/office/powerpoint/2010/main" spd="slow" p14:dur="2000">
+        <p159:morph option="byObject"/>
+      </p:transition>
+    </mc:Choice>
+    <mc:Fallback>
+      <p:transition spd="slow">
+        <p:fade/>
+      </p:transition>
+    </mc:Fallback>
+  </mc:AlternateContent>
 </p:sld>
 </file>
 
@@ -11709,6 +11925,18 @@
   <p:clrMapOvr>
     <a:masterClrMapping/>
   </p:clrMapOvr>
+  <mc:AlternateContent xmlns:mc="http://schemas.openxmlformats.org/markup-compatibility/2006">
+    <mc:Choice xmlns:p159="http://schemas.microsoft.com/office/powerpoint/2015/09/main" Requires="p159">
+      <p:transition xmlns:p14="http://schemas.microsoft.com/office/powerpoint/2010/main" spd="slow" p14:dur="2000">
+        <p159:morph option="byObject"/>
+      </p:transition>
+    </mc:Choice>
+    <mc:Fallback>
+      <p:transition spd="slow">
+        <p:fade/>
+      </p:transition>
+    </mc:Fallback>
+  </mc:AlternateContent>
 </p:sld>
 </file>
 
@@ -12101,6 +12329,18 @@
   <p:clrMapOvr>
     <a:masterClrMapping/>
   </p:clrMapOvr>
+  <mc:AlternateContent xmlns:mc="http://schemas.openxmlformats.org/markup-compatibility/2006">
+    <mc:Choice xmlns:p159="http://schemas.microsoft.com/office/powerpoint/2015/09/main" Requires="p159">
+      <p:transition xmlns:p14="http://schemas.microsoft.com/office/powerpoint/2010/main" spd="slow" p14:dur="2000">
+        <p159:morph option="byObject"/>
+      </p:transition>
+    </mc:Choice>
+    <mc:Fallback>
+      <p:transition spd="slow">
+        <p:fade/>
+      </p:transition>
+    </mc:Fallback>
+  </mc:AlternateContent>
 </p:sld>
 </file>
 
@@ -12582,6 +12822,18 @@
   <p:clrMapOvr>
     <a:masterClrMapping/>
   </p:clrMapOvr>
+  <mc:AlternateContent xmlns:mc="http://schemas.openxmlformats.org/markup-compatibility/2006">
+    <mc:Choice xmlns:p159="http://schemas.microsoft.com/office/powerpoint/2015/09/main" Requires="p159">
+      <p:transition xmlns:p14="http://schemas.microsoft.com/office/powerpoint/2010/main" spd="slow" p14:dur="2000">
+        <p159:morph option="byObject"/>
+      </p:transition>
+    </mc:Choice>
+    <mc:Fallback>
+      <p:transition spd="slow">
+        <p:fade/>
+      </p:transition>
+    </mc:Fallback>
+  </mc:AlternateContent>
 </p:sld>
 </file>
 

--- a/Energy_Demand_Forecasting_Report.pptx
+++ b/Energy_Demand_Forecasting_Report.pptx
@@ -322,7 +322,7 @@
           <a:p>
             <a:fld id="{5BCAD085-E8A6-8845-BD4E-CB4CCA059FC4}" type="datetimeFigureOut">
               <a:rPr lang="en-US" smtClean="0"/>
-              <a:t>7/13/2025</a:t>
+              <a:t>7/14/2025</a:t>
             </a:fld>
             <a:endParaRPr lang="en-US"/>
           </a:p>
@@ -490,7 +490,7 @@
           <a:p>
             <a:fld id="{5BCAD085-E8A6-8845-BD4E-CB4CCA059FC4}" type="datetimeFigureOut">
               <a:rPr lang="en-US" smtClean="0"/>
-              <a:t>7/13/2025</a:t>
+              <a:t>7/14/2025</a:t>
             </a:fld>
             <a:endParaRPr lang="en-US"/>
           </a:p>
@@ -668,7 +668,7 @@
           <a:p>
             <a:fld id="{5BCAD085-E8A6-8845-BD4E-CB4CCA059FC4}" type="datetimeFigureOut">
               <a:rPr lang="en-US" smtClean="0"/>
-              <a:t>7/13/2025</a:t>
+              <a:t>7/14/2025</a:t>
             </a:fld>
             <a:endParaRPr lang="en-US"/>
           </a:p>
@@ -836,7 +836,7 @@
           <a:p>
             <a:fld id="{5BCAD085-E8A6-8845-BD4E-CB4CCA059FC4}" type="datetimeFigureOut">
               <a:rPr lang="en-US" smtClean="0"/>
-              <a:t>7/13/2025</a:t>
+              <a:t>7/14/2025</a:t>
             </a:fld>
             <a:endParaRPr lang="en-US"/>
           </a:p>
@@ -1081,7 +1081,7 @@
           <a:p>
             <a:fld id="{5BCAD085-E8A6-8845-BD4E-CB4CCA059FC4}" type="datetimeFigureOut">
               <a:rPr lang="en-US" smtClean="0"/>
-              <a:t>7/13/2025</a:t>
+              <a:t>7/14/2025</a:t>
             </a:fld>
             <a:endParaRPr lang="en-US"/>
           </a:p>
@@ -1366,7 +1366,7 @@
           <a:p>
             <a:fld id="{5BCAD085-E8A6-8845-BD4E-CB4CCA059FC4}" type="datetimeFigureOut">
               <a:rPr lang="en-US" smtClean="0"/>
-              <a:t>7/13/2025</a:t>
+              <a:t>7/14/2025</a:t>
             </a:fld>
             <a:endParaRPr lang="en-US"/>
           </a:p>
@@ -1785,7 +1785,7 @@
           <a:p>
             <a:fld id="{5BCAD085-E8A6-8845-BD4E-CB4CCA059FC4}" type="datetimeFigureOut">
               <a:rPr lang="en-US" smtClean="0"/>
-              <a:t>7/13/2025</a:t>
+              <a:t>7/14/2025</a:t>
             </a:fld>
             <a:endParaRPr lang="en-US"/>
           </a:p>
@@ -1902,7 +1902,7 @@
           <a:p>
             <a:fld id="{5BCAD085-E8A6-8845-BD4E-CB4CCA059FC4}" type="datetimeFigureOut">
               <a:rPr lang="en-US" smtClean="0"/>
-              <a:t>7/13/2025</a:t>
+              <a:t>7/14/2025</a:t>
             </a:fld>
             <a:endParaRPr lang="en-US"/>
           </a:p>
@@ -1997,7 +1997,7 @@
           <a:p>
             <a:fld id="{5BCAD085-E8A6-8845-BD4E-CB4CCA059FC4}" type="datetimeFigureOut">
               <a:rPr lang="en-US" smtClean="0"/>
-              <a:t>7/13/2025</a:t>
+              <a:t>7/14/2025</a:t>
             </a:fld>
             <a:endParaRPr lang="en-US"/>
           </a:p>
@@ -2272,7 +2272,7 @@
           <a:p>
             <a:fld id="{5BCAD085-E8A6-8845-BD4E-CB4CCA059FC4}" type="datetimeFigureOut">
               <a:rPr lang="en-US" smtClean="0"/>
-              <a:t>7/13/2025</a:t>
+              <a:t>7/14/2025</a:t>
             </a:fld>
             <a:endParaRPr lang="en-US"/>
           </a:p>
@@ -2524,7 +2524,7 @@
           <a:p>
             <a:fld id="{5BCAD085-E8A6-8845-BD4E-CB4CCA059FC4}" type="datetimeFigureOut">
               <a:rPr lang="en-US" smtClean="0"/>
-              <a:t>7/13/2025</a:t>
+              <a:t>7/14/2025</a:t>
             </a:fld>
             <a:endParaRPr lang="en-US"/>
           </a:p>
@@ -2735,7 +2735,7 @@
           <a:p>
             <a:fld id="{5BCAD085-E8A6-8845-BD4E-CB4CCA059FC4}" type="datetimeFigureOut">
               <a:rPr lang="en-US" smtClean="0"/>
-              <a:t>7/13/2025</a:t>
+              <a:t>7/14/2025</a:t>
             </a:fld>
             <a:endParaRPr lang="en-US"/>
           </a:p>
@@ -3123,7 +3123,7 @@
         <p:spPr>
           <a:xfrm>
             <a:off x="607142" y="0"/>
-            <a:ext cx="7772400" cy="1470025"/>
+            <a:ext cx="7772400" cy="1612490"/>
           </a:xfrm>
         </p:spPr>
         <p:txBody>
@@ -3149,141 +3149,35 @@
         </p:nvSpPr>
         <p:spPr>
           <a:xfrm>
-            <a:off x="673510" y="1470025"/>
-            <a:ext cx="3819832" cy="3065206"/>
+            <a:off x="673510" y="2782529"/>
+            <a:ext cx="7182464" cy="1752702"/>
           </a:xfrm>
         </p:spPr>
         <p:txBody>
           <a:bodyPr>
-            <a:normAutofit fontScale="62500" lnSpcReduction="20000"/>
+            <a:normAutofit/>
           </a:bodyPr>
           <a:lstStyle/>
           <a:p>
+            <a:pPr algn="l"/>
             <a:r>
               <a:rPr lang="en-IN" sz="4000" b="1" dirty="0">
                 <a:solidFill>
                   <a:schemeClr val="tx1"/>
                 </a:solidFill>
               </a:rPr>
-              <a:t>By Group 1:</a:t>
-            </a:r>
-          </a:p>
-          <a:p>
-            <a:endParaRPr lang="en-IN" sz="3600" b="1" dirty="0">
-              <a:solidFill>
-                <a:schemeClr val="tx1"/>
-              </a:solidFill>
-            </a:endParaRPr>
-          </a:p>
-          <a:p>
-            <a:pPr marL="514350" indent="-514350" algn="l">
-              <a:buFont typeface="+mj-lt"/>
-              <a:buAutoNum type="arabicPeriod"/>
-            </a:pPr>
-            <a:r>
-              <a:rPr lang="en-IN" dirty="0">
+              <a:t>Made By- </a:t>
+            </a:r>
+          </a:p>
+          <a:p>
+            <a:pPr algn="l"/>
+            <a:r>
+              <a:rPr lang="en-IN" sz="4000" b="1" dirty="0">
                 <a:solidFill>
                   <a:schemeClr val="tx1"/>
                 </a:solidFill>
               </a:rPr>
               <a:t>Rishabh Kumar Dhirhe</a:t>
-            </a:r>
-          </a:p>
-          <a:p>
-            <a:pPr marL="514350" indent="-514350" algn="l">
-              <a:buFont typeface="+mj-lt"/>
-              <a:buAutoNum type="arabicPeriod"/>
-            </a:pPr>
-            <a:r>
-              <a:rPr lang="en-IN" dirty="0">
-                <a:solidFill>
-                  <a:schemeClr val="tx1"/>
-                </a:solidFill>
-              </a:rPr>
-              <a:t>Naresh R</a:t>
-            </a:r>
-          </a:p>
-          <a:p>
-            <a:pPr marL="514350" indent="-514350" algn="l">
-              <a:buFont typeface="+mj-lt"/>
-              <a:buAutoNum type="arabicPeriod"/>
-            </a:pPr>
-            <a:r>
-              <a:rPr lang="en-IN" dirty="0">
-                <a:solidFill>
-                  <a:schemeClr val="tx1"/>
-                </a:solidFill>
-              </a:rPr>
-              <a:t>Nikhil Vyas</a:t>
-            </a:r>
-          </a:p>
-          <a:p>
-            <a:pPr marL="514350" indent="-514350" algn="l">
-              <a:buFont typeface="+mj-lt"/>
-              <a:buAutoNum type="arabicPeriod"/>
-            </a:pPr>
-            <a:r>
-              <a:rPr lang="en-IN" dirty="0">
-                <a:solidFill>
-                  <a:schemeClr val="tx1"/>
-                </a:solidFill>
-              </a:rPr>
-              <a:t>PEDDINTI SRI SAHITHI</a:t>
-            </a:r>
-          </a:p>
-          <a:p>
-            <a:pPr marL="514350" indent="-514350" algn="l">
-              <a:buFont typeface="+mj-lt"/>
-              <a:buAutoNum type="arabicPeriod"/>
-            </a:pPr>
-            <a:r>
-              <a:rPr lang="en-IN" dirty="0">
-                <a:solidFill>
-                  <a:schemeClr val="tx1"/>
-                </a:solidFill>
-              </a:rPr>
-              <a:t>Yuvaraj R Lamani</a:t>
-            </a:r>
-          </a:p>
-          <a:p>
-            <a:pPr marL="514350" indent="-514350" algn="l">
-              <a:buFont typeface="+mj-lt"/>
-              <a:buAutoNum type="arabicPeriod"/>
-            </a:pPr>
-            <a:r>
-              <a:rPr lang="en-IN" dirty="0">
-                <a:solidFill>
-                  <a:schemeClr val="tx1"/>
-                </a:solidFill>
-              </a:rPr>
-              <a:t>Ravi </a:t>
-            </a:r>
-            <a:r>
-              <a:rPr lang="en-IN" dirty="0" err="1">
-                <a:solidFill>
-                  <a:schemeClr val="tx1"/>
-                </a:solidFill>
-              </a:rPr>
-              <a:t>Langatad</a:t>
-            </a:r>
-            <a:endParaRPr lang="en-IN" dirty="0">
-              <a:solidFill>
-                <a:schemeClr val="tx1"/>
-              </a:solidFill>
-            </a:endParaRPr>
-          </a:p>
-          <a:p>
-            <a:pPr marL="514350" indent="-514350" algn="l">
-              <a:buFont typeface="+mj-lt"/>
-              <a:buAutoNum type="arabicPeriod"/>
-            </a:pPr>
-            <a:r>
-              <a:rPr lang="en-IN" dirty="0">
-                <a:solidFill>
-                  <a:schemeClr val="tx1"/>
-                </a:solidFill>
-              </a:rPr>
-              <a:t>Rutuja Anil Pawar</a:t>
             </a:r>
           </a:p>
           <a:p>
@@ -3328,255 +3222,18 @@
           </a:prstGeom>
         </p:spPr>
       </p:pic>
-      <p:sp>
-        <p:nvSpPr>
-          <p:cNvPr id="6" name="Subtitle 2">
-            <a:extLst>
-              <a:ext uri="{FF2B5EF4-FFF2-40B4-BE49-F238E27FC236}">
-                <a16:creationId xmlns:a16="http://schemas.microsoft.com/office/drawing/2014/main" id="{D5ED1B79-1B3C-8877-4748-9B7BEC720965}"/>
-              </a:ext>
-            </a:extLst>
-          </p:cNvPr>
-          <p:cNvSpPr txBox="1">
-            <a:spLocks/>
-          </p:cNvSpPr>
-          <p:nvPr/>
-        </p:nvSpPr>
-        <p:spPr>
-          <a:xfrm>
-            <a:off x="5388077" y="1696167"/>
-            <a:ext cx="2991465" cy="2128581"/>
-          </a:xfrm>
-          <a:prstGeom prst="rect">
-            <a:avLst/>
-          </a:prstGeom>
-        </p:spPr>
-        <p:txBody>
-          <a:bodyPr vert="horz" lIns="91440" tIns="45720" rIns="91440" bIns="45720" rtlCol="0">
-            <a:normAutofit/>
-          </a:bodyPr>
-          <a:lstStyle>
-            <a:lvl1pPr marL="0" indent="0" algn="ctr" defTabSz="457200" rtl="0" eaLnBrk="1" latinLnBrk="0" hangingPunct="1">
-              <a:spcBef>
-                <a:spcPct val="20000"/>
-              </a:spcBef>
-              <a:buFont typeface="Arial"/>
-              <a:buNone/>
-              <a:defRPr sz="3200" kern="1200">
-                <a:solidFill>
-                  <a:schemeClr val="tx1">
-                    <a:tint val="75000"/>
-                  </a:schemeClr>
-                </a:solidFill>
-                <a:latin typeface="+mn-lt"/>
-                <a:ea typeface="+mn-ea"/>
-                <a:cs typeface="+mn-cs"/>
-              </a:defRPr>
-            </a:lvl1pPr>
-            <a:lvl2pPr marL="457200" indent="0" algn="ctr" defTabSz="457200" rtl="0" eaLnBrk="1" latinLnBrk="0" hangingPunct="1">
-              <a:spcBef>
-                <a:spcPct val="20000"/>
-              </a:spcBef>
-              <a:buFont typeface="Arial"/>
-              <a:buNone/>
-              <a:defRPr sz="2800" kern="1200">
-                <a:solidFill>
-                  <a:schemeClr val="tx1">
-                    <a:tint val="75000"/>
-                  </a:schemeClr>
-                </a:solidFill>
-                <a:latin typeface="+mn-lt"/>
-                <a:ea typeface="+mn-ea"/>
-                <a:cs typeface="+mn-cs"/>
-              </a:defRPr>
-            </a:lvl2pPr>
-            <a:lvl3pPr marL="914400" indent="0" algn="ctr" defTabSz="457200" rtl="0" eaLnBrk="1" latinLnBrk="0" hangingPunct="1">
-              <a:spcBef>
-                <a:spcPct val="20000"/>
-              </a:spcBef>
-              <a:buFont typeface="Arial"/>
-              <a:buNone/>
-              <a:defRPr sz="2400" kern="1200">
-                <a:solidFill>
-                  <a:schemeClr val="tx1">
-                    <a:tint val="75000"/>
-                  </a:schemeClr>
-                </a:solidFill>
-                <a:latin typeface="+mn-lt"/>
-                <a:ea typeface="+mn-ea"/>
-                <a:cs typeface="+mn-cs"/>
-              </a:defRPr>
-            </a:lvl3pPr>
-            <a:lvl4pPr marL="1371600" indent="0" algn="ctr" defTabSz="457200" rtl="0" eaLnBrk="1" latinLnBrk="0" hangingPunct="1">
-              <a:spcBef>
-                <a:spcPct val="20000"/>
-              </a:spcBef>
-              <a:buFont typeface="Arial"/>
-              <a:buNone/>
-              <a:defRPr sz="2000" kern="1200">
-                <a:solidFill>
-                  <a:schemeClr val="tx1">
-                    <a:tint val="75000"/>
-                  </a:schemeClr>
-                </a:solidFill>
-                <a:latin typeface="+mn-lt"/>
-                <a:ea typeface="+mn-ea"/>
-                <a:cs typeface="+mn-cs"/>
-              </a:defRPr>
-            </a:lvl4pPr>
-            <a:lvl5pPr marL="1828800" indent="0" algn="ctr" defTabSz="457200" rtl="0" eaLnBrk="1" latinLnBrk="0" hangingPunct="1">
-              <a:spcBef>
-                <a:spcPct val="20000"/>
-              </a:spcBef>
-              <a:buFont typeface="Arial"/>
-              <a:buNone/>
-              <a:defRPr sz="2000" kern="1200">
-                <a:solidFill>
-                  <a:schemeClr val="tx1">
-                    <a:tint val="75000"/>
-                  </a:schemeClr>
-                </a:solidFill>
-                <a:latin typeface="+mn-lt"/>
-                <a:ea typeface="+mn-ea"/>
-                <a:cs typeface="+mn-cs"/>
-              </a:defRPr>
-            </a:lvl5pPr>
-            <a:lvl6pPr marL="2286000" indent="0" algn="ctr" defTabSz="457200" rtl="0" eaLnBrk="1" latinLnBrk="0" hangingPunct="1">
-              <a:spcBef>
-                <a:spcPct val="20000"/>
-              </a:spcBef>
-              <a:buFont typeface="Arial"/>
-              <a:buNone/>
-              <a:defRPr sz="2000" kern="1200">
-                <a:solidFill>
-                  <a:schemeClr val="tx1">
-                    <a:tint val="75000"/>
-                  </a:schemeClr>
-                </a:solidFill>
-                <a:latin typeface="+mn-lt"/>
-                <a:ea typeface="+mn-ea"/>
-                <a:cs typeface="+mn-cs"/>
-              </a:defRPr>
-            </a:lvl6pPr>
-            <a:lvl7pPr marL="2743200" indent="0" algn="ctr" defTabSz="457200" rtl="0" eaLnBrk="1" latinLnBrk="0" hangingPunct="1">
-              <a:spcBef>
-                <a:spcPct val="20000"/>
-              </a:spcBef>
-              <a:buFont typeface="Arial"/>
-              <a:buNone/>
-              <a:defRPr sz="2000" kern="1200">
-                <a:solidFill>
-                  <a:schemeClr val="tx1">
-                    <a:tint val="75000"/>
-                  </a:schemeClr>
-                </a:solidFill>
-                <a:latin typeface="+mn-lt"/>
-                <a:ea typeface="+mn-ea"/>
-                <a:cs typeface="+mn-cs"/>
-              </a:defRPr>
-            </a:lvl7pPr>
-            <a:lvl8pPr marL="3200400" indent="0" algn="ctr" defTabSz="457200" rtl="0" eaLnBrk="1" latinLnBrk="0" hangingPunct="1">
-              <a:spcBef>
-                <a:spcPct val="20000"/>
-              </a:spcBef>
-              <a:buFont typeface="Arial"/>
-              <a:buNone/>
-              <a:defRPr sz="2000" kern="1200">
-                <a:solidFill>
-                  <a:schemeClr val="tx1">
-                    <a:tint val="75000"/>
-                  </a:schemeClr>
-                </a:solidFill>
-                <a:latin typeface="+mn-lt"/>
-                <a:ea typeface="+mn-ea"/>
-                <a:cs typeface="+mn-cs"/>
-              </a:defRPr>
-            </a:lvl8pPr>
-            <a:lvl9pPr marL="3657600" indent="0" algn="ctr" defTabSz="457200" rtl="0" eaLnBrk="1" latinLnBrk="0" hangingPunct="1">
-              <a:spcBef>
-                <a:spcPct val="20000"/>
-              </a:spcBef>
-              <a:buFont typeface="Arial"/>
-              <a:buNone/>
-              <a:defRPr sz="2000" kern="1200">
-                <a:solidFill>
-                  <a:schemeClr val="tx1">
-                    <a:tint val="75000"/>
-                  </a:schemeClr>
-                </a:solidFill>
-                <a:latin typeface="+mn-lt"/>
-                <a:ea typeface="+mn-ea"/>
-                <a:cs typeface="+mn-cs"/>
-              </a:defRPr>
-            </a:lvl9pPr>
-          </a:lstStyle>
-          <a:p>
-            <a:pPr algn="l"/>
-            <a:r>
-              <a:rPr lang="en-IN" sz="3600" b="1" dirty="0">
-                <a:solidFill>
-                  <a:schemeClr val="tx1"/>
-                </a:solidFill>
-              </a:rPr>
-              <a:t>MENTORS:</a:t>
-            </a:r>
-          </a:p>
-          <a:p>
-            <a:pPr marL="514350" indent="-514350" algn="l">
-              <a:buFont typeface="+mj-lt"/>
-              <a:buAutoNum type="arabicPeriod"/>
-            </a:pPr>
-            <a:r>
-              <a:rPr lang="en-IN" b="1" dirty="0">
-                <a:solidFill>
-                  <a:schemeClr val="tx1"/>
-                </a:solidFill>
-              </a:rPr>
-              <a:t>B Harish </a:t>
-            </a:r>
-          </a:p>
-          <a:p>
-            <a:pPr marL="514350" indent="-514350" algn="l">
-              <a:buFont typeface="+mj-lt"/>
-              <a:buAutoNum type="arabicPeriod"/>
-            </a:pPr>
-            <a:r>
-              <a:rPr lang="en-IN" b="1" dirty="0">
-                <a:solidFill>
-                  <a:schemeClr val="tx1"/>
-                </a:solidFill>
-              </a:rPr>
-              <a:t>Kartik </a:t>
-            </a:r>
-          </a:p>
-          <a:p>
-            <a:pPr marL="514350" indent="-514350" algn="l">
-              <a:buFont typeface="+mj-lt"/>
-              <a:buAutoNum type="arabicPeriod"/>
-            </a:pPr>
-            <a:endParaRPr lang="en-IN" b="1" dirty="0">
-              <a:solidFill>
-                <a:schemeClr val="tx1"/>
-              </a:solidFill>
-            </a:endParaRPr>
-          </a:p>
-          <a:p>
-            <a:endParaRPr lang="en-IN" dirty="0"/>
-          </a:p>
-        </p:txBody>
-      </p:sp>
     </p:spTree>
   </p:cSld>
   <p:clrMapOvr>
     <a:masterClrMapping/>
   </p:clrMapOvr>
-  <mc:AlternateContent xmlns:mc="http://schemas.openxmlformats.org/markup-compatibility/2006">
-    <mc:Choice xmlns:p159="http://schemas.microsoft.com/office/powerpoint/2015/09/main" Requires="p159">
+  <mc:AlternateContent xmlns:mc="http://schemas.openxmlformats.org/markup-compatibility/2006" xmlns:p159="http://schemas.microsoft.com/office/powerpoint/2015/09/main">
+    <mc:Choice Requires="p159">
       <p:transition xmlns:p14="http://schemas.microsoft.com/office/powerpoint/2010/main" spd="slow" p14:dur="2000">
         <p159:morph option="byObject"/>
       </p:transition>
     </mc:Choice>
-    <mc:Fallback>
+    <mc:Fallback xmlns="">
       <p:transition spd="slow">
         <p:fade/>
       </p:transition>
@@ -3909,13 +3566,13 @@
   <p:clrMapOvr>
     <a:masterClrMapping/>
   </p:clrMapOvr>
-  <mc:AlternateContent xmlns:mc="http://schemas.openxmlformats.org/markup-compatibility/2006">
-    <mc:Choice xmlns:p159="http://schemas.microsoft.com/office/powerpoint/2015/09/main" Requires="p159">
+  <mc:AlternateContent xmlns:mc="http://schemas.openxmlformats.org/markup-compatibility/2006" xmlns:p159="http://schemas.microsoft.com/office/powerpoint/2015/09/main">
+    <mc:Choice Requires="p159">
       <p:transition xmlns:p14="http://schemas.microsoft.com/office/powerpoint/2010/main" spd="slow" p14:dur="2000">
         <p159:morph option="byObject"/>
       </p:transition>
     </mc:Choice>
-    <mc:Fallback>
+    <mc:Fallback xmlns="">
       <p:transition spd="slow">
         <p:fade/>
       </p:transition>
@@ -4360,13 +4017,13 @@
   <p:clrMapOvr>
     <a:masterClrMapping/>
   </p:clrMapOvr>
-  <mc:AlternateContent xmlns:mc="http://schemas.openxmlformats.org/markup-compatibility/2006">
-    <mc:Choice xmlns:p159="http://schemas.microsoft.com/office/powerpoint/2015/09/main" Requires="p159">
+  <mc:AlternateContent xmlns:mc="http://schemas.openxmlformats.org/markup-compatibility/2006" xmlns:p159="http://schemas.microsoft.com/office/powerpoint/2015/09/main">
+    <mc:Choice Requires="p159">
       <p:transition xmlns:p14="http://schemas.microsoft.com/office/powerpoint/2010/main" spd="slow" p14:dur="2000">
         <p159:morph option="byObject"/>
       </p:transition>
     </mc:Choice>
-    <mc:Fallback>
+    <mc:Fallback xmlns="">
       <p:transition spd="slow">
         <p:fade/>
       </p:transition>
@@ -4840,13 +4497,13 @@
   <p:clrMapOvr>
     <a:masterClrMapping/>
   </p:clrMapOvr>
-  <mc:AlternateContent xmlns:mc="http://schemas.openxmlformats.org/markup-compatibility/2006">
-    <mc:Choice xmlns:p159="http://schemas.microsoft.com/office/powerpoint/2015/09/main" Requires="p159">
+  <mc:AlternateContent xmlns:mc="http://schemas.openxmlformats.org/markup-compatibility/2006" xmlns:p159="http://schemas.microsoft.com/office/powerpoint/2015/09/main">
+    <mc:Choice Requires="p159">
       <p:transition xmlns:p14="http://schemas.microsoft.com/office/powerpoint/2010/main" spd="slow" p14:dur="2000">
         <p159:morph option="byObject"/>
       </p:transition>
     </mc:Choice>
-    <mc:Fallback>
+    <mc:Fallback xmlns="">
       <p:transition spd="slow">
         <p:fade/>
       </p:transition>
@@ -5297,13 +4954,13 @@
   <p:clrMapOvr>
     <a:masterClrMapping/>
   </p:clrMapOvr>
-  <mc:AlternateContent xmlns:mc="http://schemas.openxmlformats.org/markup-compatibility/2006">
-    <mc:Choice xmlns:p159="http://schemas.microsoft.com/office/powerpoint/2015/09/main" Requires="p159">
+  <mc:AlternateContent xmlns:mc="http://schemas.openxmlformats.org/markup-compatibility/2006" xmlns:p159="http://schemas.microsoft.com/office/powerpoint/2015/09/main">
+    <mc:Choice Requires="p159">
       <p:transition xmlns:p14="http://schemas.microsoft.com/office/powerpoint/2010/main" spd="slow" p14:dur="2000">
         <p159:morph option="byObject"/>
       </p:transition>
     </mc:Choice>
-    <mc:Fallback>
+    <mc:Fallback xmlns="">
       <p:transition spd="slow">
         <p:fade/>
       </p:transition>
@@ -5754,13 +5411,13 @@
   <p:clrMapOvr>
     <a:masterClrMapping/>
   </p:clrMapOvr>
-  <mc:AlternateContent xmlns:mc="http://schemas.openxmlformats.org/markup-compatibility/2006">
-    <mc:Choice xmlns:p159="http://schemas.microsoft.com/office/powerpoint/2015/09/main" Requires="p159">
+  <mc:AlternateContent xmlns:mc="http://schemas.openxmlformats.org/markup-compatibility/2006" xmlns:p159="http://schemas.microsoft.com/office/powerpoint/2015/09/main">
+    <mc:Choice Requires="p159">
       <p:transition xmlns:p14="http://schemas.microsoft.com/office/powerpoint/2010/main" spd="slow" p14:dur="2000">
         <p159:morph option="byObject"/>
       </p:transition>
     </mc:Choice>
-    <mc:Fallback>
+    <mc:Fallback xmlns="">
       <p:transition spd="slow">
         <p:fade/>
       </p:transition>
@@ -6234,13 +5891,13 @@
   <p:clrMapOvr>
     <a:masterClrMapping/>
   </p:clrMapOvr>
-  <mc:AlternateContent xmlns:mc="http://schemas.openxmlformats.org/markup-compatibility/2006">
-    <mc:Choice xmlns:p159="http://schemas.microsoft.com/office/powerpoint/2015/09/main" Requires="p159">
+  <mc:AlternateContent xmlns:mc="http://schemas.openxmlformats.org/markup-compatibility/2006" xmlns:p159="http://schemas.microsoft.com/office/powerpoint/2015/09/main">
+    <mc:Choice Requires="p159">
       <p:transition xmlns:p14="http://schemas.microsoft.com/office/powerpoint/2010/main" spd="slow" p14:dur="2000">
         <p159:morph option="byObject"/>
       </p:transition>
     </mc:Choice>
-    <mc:Fallback>
+    <mc:Fallback xmlns="">
       <p:transition spd="slow">
         <p:fade/>
       </p:transition>
@@ -6724,13 +6381,13 @@
   <p:clrMapOvr>
     <a:masterClrMapping/>
   </p:clrMapOvr>
-  <mc:AlternateContent xmlns:mc="http://schemas.openxmlformats.org/markup-compatibility/2006">
-    <mc:Choice xmlns:p159="http://schemas.microsoft.com/office/powerpoint/2015/09/main" Requires="p159">
+  <mc:AlternateContent xmlns:mc="http://schemas.openxmlformats.org/markup-compatibility/2006" xmlns:p159="http://schemas.microsoft.com/office/powerpoint/2015/09/main">
+    <mc:Choice Requires="p159">
       <p:transition xmlns:p14="http://schemas.microsoft.com/office/powerpoint/2010/main" spd="slow" p14:dur="2000">
         <p159:morph option="byObject"/>
       </p:transition>
     </mc:Choice>
-    <mc:Fallback>
+    <mc:Fallback xmlns="">
       <p:transition spd="slow">
         <p:fade/>
       </p:transition>
@@ -7450,13 +7107,13 @@
   <p:clrMapOvr>
     <a:masterClrMapping/>
   </p:clrMapOvr>
-  <mc:AlternateContent xmlns:mc="http://schemas.openxmlformats.org/markup-compatibility/2006">
-    <mc:Choice xmlns:p159="http://schemas.microsoft.com/office/powerpoint/2015/09/main" Requires="p159">
+  <mc:AlternateContent xmlns:mc="http://schemas.openxmlformats.org/markup-compatibility/2006" xmlns:p159="http://schemas.microsoft.com/office/powerpoint/2015/09/main">
+    <mc:Choice Requires="p159">
       <p:transition xmlns:p14="http://schemas.microsoft.com/office/powerpoint/2010/main" spd="slow" p14:dur="2000">
         <p159:morph option="byObject"/>
       </p:transition>
     </mc:Choice>
-    <mc:Fallback>
+    <mc:Fallback xmlns="">
       <p:transition spd="slow">
         <p:fade/>
       </p:transition>
@@ -7718,13 +7375,13 @@
   <p:clrMapOvr>
     <a:masterClrMapping/>
   </p:clrMapOvr>
-  <mc:AlternateContent xmlns:mc="http://schemas.openxmlformats.org/markup-compatibility/2006">
-    <mc:Choice xmlns:p159="http://schemas.microsoft.com/office/powerpoint/2015/09/main" Requires="p159">
+  <mc:AlternateContent xmlns:mc="http://schemas.openxmlformats.org/markup-compatibility/2006" xmlns:p159="http://schemas.microsoft.com/office/powerpoint/2015/09/main">
+    <mc:Choice Requires="p159">
       <p:transition xmlns:p14="http://schemas.microsoft.com/office/powerpoint/2010/main" spd="slow" p14:dur="2000">
         <p159:morph option="byObject"/>
       </p:transition>
     </mc:Choice>
-    <mc:Fallback>
+    <mc:Fallback xmlns="">
       <p:transition spd="slow">
         <p:fade/>
       </p:transition>
@@ -8192,13 +7849,13 @@
   <p:clrMapOvr>
     <a:masterClrMapping/>
   </p:clrMapOvr>
-  <mc:AlternateContent xmlns:mc="http://schemas.openxmlformats.org/markup-compatibility/2006">
-    <mc:Choice xmlns:p159="http://schemas.microsoft.com/office/powerpoint/2015/09/main" Requires="p159">
+  <mc:AlternateContent xmlns:mc="http://schemas.openxmlformats.org/markup-compatibility/2006" xmlns:p159="http://schemas.microsoft.com/office/powerpoint/2015/09/main">
+    <mc:Choice Requires="p159">
       <p:transition xmlns:p14="http://schemas.microsoft.com/office/powerpoint/2010/main" spd="slow" p14:dur="2000">
         <p159:morph option="byObject"/>
       </p:transition>
     </mc:Choice>
-    <mc:Fallback>
+    <mc:Fallback xmlns="">
       <p:transition spd="slow">
         <p:fade/>
       </p:transition>
@@ -8709,13 +8366,13 @@
   <p:clrMapOvr>
     <a:masterClrMapping/>
   </p:clrMapOvr>
-  <mc:AlternateContent xmlns:mc="http://schemas.openxmlformats.org/markup-compatibility/2006">
-    <mc:Choice xmlns:p159="http://schemas.microsoft.com/office/powerpoint/2015/09/main" Requires="p159">
+  <mc:AlternateContent xmlns:mc="http://schemas.openxmlformats.org/markup-compatibility/2006" xmlns:p159="http://schemas.microsoft.com/office/powerpoint/2015/09/main">
+    <mc:Choice Requires="p159">
       <p:transition xmlns:p14="http://schemas.microsoft.com/office/powerpoint/2010/main" spd="slow" p14:dur="2000">
         <p159:morph option="byObject"/>
       </p:transition>
     </mc:Choice>
-    <mc:Fallback>
+    <mc:Fallback xmlns="">
       <p:transition spd="slow">
         <p:fade/>
       </p:transition>
@@ -9158,13 +8815,13 @@
   <p:clrMapOvr>
     <a:masterClrMapping/>
   </p:clrMapOvr>
-  <mc:AlternateContent xmlns:mc="http://schemas.openxmlformats.org/markup-compatibility/2006">
-    <mc:Choice xmlns:p159="http://schemas.microsoft.com/office/powerpoint/2015/09/main" Requires="p159">
+  <mc:AlternateContent xmlns:mc="http://schemas.openxmlformats.org/markup-compatibility/2006" xmlns:p159="http://schemas.microsoft.com/office/powerpoint/2015/09/main">
+    <mc:Choice Requires="p159">
       <p:transition xmlns:p14="http://schemas.microsoft.com/office/powerpoint/2010/main" spd="slow" p14:dur="2000">
         <p159:morph option="byObject"/>
       </p:transition>
     </mc:Choice>
-    <mc:Fallback>
+    <mc:Fallback xmlns="">
       <p:transition spd="slow">
         <p:fade/>
       </p:transition>
@@ -9622,13 +9279,13 @@
   <p:clrMapOvr>
     <a:masterClrMapping/>
   </p:clrMapOvr>
-  <mc:AlternateContent xmlns:mc="http://schemas.openxmlformats.org/markup-compatibility/2006">
-    <mc:Choice xmlns:p159="http://schemas.microsoft.com/office/powerpoint/2015/09/main" Requires="p159">
+  <mc:AlternateContent xmlns:mc="http://schemas.openxmlformats.org/markup-compatibility/2006" xmlns:p159="http://schemas.microsoft.com/office/powerpoint/2015/09/main">
+    <mc:Choice Requires="p159">
       <p:transition xmlns:p14="http://schemas.microsoft.com/office/powerpoint/2010/main" spd="slow" p14:dur="2000">
         <p159:morph option="byObject"/>
       </p:transition>
     </mc:Choice>
-    <mc:Fallback>
+    <mc:Fallback xmlns="">
       <p:transition spd="slow">
         <p:fade/>
       </p:transition>
@@ -10060,13 +9717,13 @@
   <p:clrMapOvr>
     <a:masterClrMapping/>
   </p:clrMapOvr>
-  <mc:AlternateContent xmlns:mc="http://schemas.openxmlformats.org/markup-compatibility/2006">
-    <mc:Choice xmlns:p159="http://schemas.microsoft.com/office/powerpoint/2015/09/main" Requires="p159">
+  <mc:AlternateContent xmlns:mc="http://schemas.openxmlformats.org/markup-compatibility/2006" xmlns:p159="http://schemas.microsoft.com/office/powerpoint/2015/09/main">
+    <mc:Choice Requires="p159">
       <p:transition xmlns:p14="http://schemas.microsoft.com/office/powerpoint/2010/main" spd="slow" p14:dur="2000">
         <p159:morph option="byObject"/>
       </p:transition>
     </mc:Choice>
-    <mc:Fallback>
+    <mc:Fallback xmlns="">
       <p:transition spd="slow">
         <p:fade/>
       </p:transition>
@@ -10429,13 +10086,13 @@
   <p:clrMapOvr>
     <a:masterClrMapping/>
   </p:clrMapOvr>
-  <mc:AlternateContent xmlns:mc="http://schemas.openxmlformats.org/markup-compatibility/2006">
-    <mc:Choice xmlns:p159="http://schemas.microsoft.com/office/powerpoint/2015/09/main" Requires="p159">
+  <mc:AlternateContent xmlns:mc="http://schemas.openxmlformats.org/markup-compatibility/2006" xmlns:p159="http://schemas.microsoft.com/office/powerpoint/2015/09/main">
+    <mc:Choice Requires="p159">
       <p:transition xmlns:p14="http://schemas.microsoft.com/office/powerpoint/2010/main" spd="slow" p14:dur="2000">
         <p159:morph option="byObject"/>
       </p:transition>
     </mc:Choice>
-    <mc:Fallback>
+    <mc:Fallback xmlns="">
       <p:transition spd="slow">
         <p:fade/>
       </p:transition>
@@ -10755,7 +10412,7 @@
           <a:p>
             <a:r>
               <a:rPr lang="en-GB" sz="2200" dirty="0"/>
-              <a:t>Add holiday features using US Federal Calendar.</a:t>
+              <a:t>Added holiday features using US Federal Calendar.</a:t>
             </a:r>
           </a:p>
         </p:txBody>
@@ -10796,13 +10453,13 @@
   <p:clrMapOvr>
     <a:masterClrMapping/>
   </p:clrMapOvr>
-  <mc:AlternateContent xmlns:mc="http://schemas.openxmlformats.org/markup-compatibility/2006">
-    <mc:Choice xmlns:p159="http://schemas.microsoft.com/office/powerpoint/2015/09/main" Requires="p159">
+  <mc:AlternateContent xmlns:mc="http://schemas.openxmlformats.org/markup-compatibility/2006" xmlns:p159="http://schemas.microsoft.com/office/powerpoint/2015/09/main">
+    <mc:Choice Requires="p159">
       <p:transition xmlns:p14="http://schemas.microsoft.com/office/powerpoint/2010/main" spd="slow" p14:dur="2000">
         <p159:morph option="byObject"/>
       </p:transition>
     </mc:Choice>
-    <mc:Fallback>
+    <mc:Fallback xmlns="">
       <p:transition spd="slow">
         <p:fade/>
       </p:transition>
@@ -11489,13 +11146,13 @@
   <p:clrMapOvr>
     <a:masterClrMapping/>
   </p:clrMapOvr>
-  <mc:AlternateContent xmlns:mc="http://schemas.openxmlformats.org/markup-compatibility/2006">
-    <mc:Choice xmlns:p159="http://schemas.microsoft.com/office/powerpoint/2015/09/main" Requires="p159">
+  <mc:AlternateContent xmlns:mc="http://schemas.openxmlformats.org/markup-compatibility/2006" xmlns:p159="http://schemas.microsoft.com/office/powerpoint/2015/09/main">
+    <mc:Choice Requires="p159">
       <p:transition xmlns:p14="http://schemas.microsoft.com/office/powerpoint/2010/main" spd="slow" p14:dur="2000">
         <p159:morph option="byObject"/>
       </p:transition>
     </mc:Choice>
-    <mc:Fallback>
+    <mc:Fallback xmlns="">
       <p:transition spd="slow">
         <p:fade/>
       </p:transition>
@@ -11925,13 +11582,13 @@
   <p:clrMapOvr>
     <a:masterClrMapping/>
   </p:clrMapOvr>
-  <mc:AlternateContent xmlns:mc="http://schemas.openxmlformats.org/markup-compatibility/2006">
-    <mc:Choice xmlns:p159="http://schemas.microsoft.com/office/powerpoint/2015/09/main" Requires="p159">
+  <mc:AlternateContent xmlns:mc="http://schemas.openxmlformats.org/markup-compatibility/2006" xmlns:p159="http://schemas.microsoft.com/office/powerpoint/2015/09/main">
+    <mc:Choice Requires="p159">
       <p:transition xmlns:p14="http://schemas.microsoft.com/office/powerpoint/2010/main" spd="slow" p14:dur="2000">
         <p159:morph option="byObject"/>
       </p:transition>
     </mc:Choice>
-    <mc:Fallback>
+    <mc:Fallback xmlns="">
       <p:transition spd="slow">
         <p:fade/>
       </p:transition>
@@ -12329,13 +11986,13 @@
   <p:clrMapOvr>
     <a:masterClrMapping/>
   </p:clrMapOvr>
-  <mc:AlternateContent xmlns:mc="http://schemas.openxmlformats.org/markup-compatibility/2006">
-    <mc:Choice xmlns:p159="http://schemas.microsoft.com/office/powerpoint/2015/09/main" Requires="p159">
+  <mc:AlternateContent xmlns:mc="http://schemas.openxmlformats.org/markup-compatibility/2006" xmlns:p159="http://schemas.microsoft.com/office/powerpoint/2015/09/main">
+    <mc:Choice Requires="p159">
       <p:transition xmlns:p14="http://schemas.microsoft.com/office/powerpoint/2010/main" spd="slow" p14:dur="2000">
         <p159:morph option="byObject"/>
       </p:transition>
     </mc:Choice>
-    <mc:Fallback>
+    <mc:Fallback xmlns="">
       <p:transition spd="slow">
         <p:fade/>
       </p:transition>
@@ -12822,13 +12479,13 @@
   <p:clrMapOvr>
     <a:masterClrMapping/>
   </p:clrMapOvr>
-  <mc:AlternateContent xmlns:mc="http://schemas.openxmlformats.org/markup-compatibility/2006">
-    <mc:Choice xmlns:p159="http://schemas.microsoft.com/office/powerpoint/2015/09/main" Requires="p159">
+  <mc:AlternateContent xmlns:mc="http://schemas.openxmlformats.org/markup-compatibility/2006" xmlns:p159="http://schemas.microsoft.com/office/powerpoint/2015/09/main">
+    <mc:Choice Requires="p159">
       <p:transition xmlns:p14="http://schemas.microsoft.com/office/powerpoint/2010/main" spd="slow" p14:dur="2000">
         <p159:morph option="byObject"/>
       </p:transition>
     </mc:Choice>
-    <mc:Fallback>
+    <mc:Fallback xmlns="">
       <p:transition spd="slow">
         <p:fade/>
       </p:transition>
